--- a/systemdesign.pptx
+++ b/systemdesign.pptx
@@ -7,6 +7,7 @@
   <p:sldIdLst>
     <p:sldId id="258" r:id="rId2"/>
     <p:sldId id="257" r:id="rId3"/>
+    <p:sldId id="259" r:id="rId4"/>
   </p:sldIdLst>
   <p:sldSz cx="12192000" cy="10458450"/>
   <p:notesSz cx="6858000" cy="9144000"/>
@@ -116,7 +117,7 @@
 <file path=ppt/revisionInfo.xml><?xml version="1.0" encoding="utf-8"?>
 <p1510:revInfo xmlns:a="http://schemas.openxmlformats.org/drawingml/2006/main" xmlns:r="http://schemas.openxmlformats.org/officeDocument/2006/relationships" xmlns:p1510="http://schemas.microsoft.com/office/powerpoint/2015/10/main">
   <p1510:revLst>
-    <p1510:client id="{56F708AA-76BE-422C-AD7B-1D69A4EEBC52}" v="165" dt="2024-02-23T14:25:31.485"/>
+    <p1510:client id="{56F708AA-76BE-422C-AD7B-1D69A4EEBC52}" v="334" dt="2024-02-25T01:59:25.072"/>
   </p1510:revLst>
 </p1510:revInfo>
 </file>
@@ -126,7 +127,7 @@
   <pc:docChgLst>
     <pc:chgData name="TAY FU WEN" userId="3ce95b04-c093-49f3-bc84-da593a32a19c" providerId="ADAL" clId="{56F708AA-76BE-422C-AD7B-1D69A4EEBC52}"/>
     <pc:docChg chg="undo redo custSel addSld delSld modSld modMainMaster">
-      <pc:chgData name="TAY FU WEN" userId="3ce95b04-c093-49f3-bc84-da593a32a19c" providerId="ADAL" clId="{56F708AA-76BE-422C-AD7B-1D69A4EEBC52}" dt="2024-02-23T14:25:33.378" v="648" actId="47"/>
+      <pc:chgData name="TAY FU WEN" userId="3ce95b04-c093-49f3-bc84-da593a32a19c" providerId="ADAL" clId="{56F708AA-76BE-422C-AD7B-1D69A4EEBC52}" dt="2024-02-25T02:00:11.368" v="1188" actId="1037"/>
       <pc:docMkLst>
         <pc:docMk/>
       </pc:docMkLst>
@@ -378,13 +379,21 @@
         </pc:cxnChg>
       </pc:sldChg>
       <pc:sldChg chg="addSp delSp modSp add mod">
-        <pc:chgData name="TAY FU WEN" userId="3ce95b04-c093-49f3-bc84-da593a32a19c" providerId="ADAL" clId="{56F708AA-76BE-422C-AD7B-1D69A4EEBC52}" dt="2024-02-23T14:22:52.001" v="646" actId="14100"/>
+        <pc:chgData name="TAY FU WEN" userId="3ce95b04-c093-49f3-bc84-da593a32a19c" providerId="ADAL" clId="{56F708AA-76BE-422C-AD7B-1D69A4EEBC52}" dt="2024-02-24T14:32:30.686" v="690" actId="20577"/>
         <pc:sldMkLst>
           <pc:docMk/>
           <pc:sldMk cId="3344800846" sldId="257"/>
         </pc:sldMkLst>
+        <pc:spChg chg="add mod">
+          <ac:chgData name="TAY FU WEN" userId="3ce95b04-c093-49f3-bc84-da593a32a19c" providerId="ADAL" clId="{56F708AA-76BE-422C-AD7B-1D69A4EEBC52}" dt="2024-02-24T14:32:09.588" v="679" actId="1076"/>
+          <ac:spMkLst>
+            <pc:docMk/>
+            <pc:sldMk cId="3344800846" sldId="257"/>
+            <ac:spMk id="2" creationId="{5321C93E-2635-1FC0-B572-B69E06AC505A}"/>
+          </ac:spMkLst>
+        </pc:spChg>
         <pc:spChg chg="mod">
-          <ac:chgData name="TAY FU WEN" userId="3ce95b04-c093-49f3-bc84-da593a32a19c" providerId="ADAL" clId="{56F708AA-76BE-422C-AD7B-1D69A4EEBC52}" dt="2024-02-23T14:22:52.001" v="646" actId="14100"/>
+          <ac:chgData name="TAY FU WEN" userId="3ce95b04-c093-49f3-bc84-da593a32a19c" providerId="ADAL" clId="{56F708AA-76BE-422C-AD7B-1D69A4EEBC52}" dt="2024-02-24T14:31:59.081" v="665" actId="20577"/>
           <ac:spMkLst>
             <pc:docMk/>
             <pc:sldMk cId="3344800846" sldId="257"/>
@@ -405,6 +414,14 @@
             <pc:docMk/>
             <pc:sldMk cId="3344800846" sldId="257"/>
             <ac:spMk id="7" creationId="{C89EB896-D399-0D57-FB7E-2EDEA017DCD8}"/>
+          </ac:spMkLst>
+        </pc:spChg>
+        <pc:spChg chg="add mod">
+          <ac:chgData name="TAY FU WEN" userId="3ce95b04-c093-49f3-bc84-da593a32a19c" providerId="ADAL" clId="{56F708AA-76BE-422C-AD7B-1D69A4EEBC52}" dt="2024-02-24T14:32:30.686" v="690" actId="20577"/>
+          <ac:spMkLst>
+            <pc:docMk/>
+            <pc:sldMk cId="3344800846" sldId="257"/>
+            <ac:spMk id="8" creationId="{F61600A8-436E-5A85-1BB3-527DF624FFE4}"/>
           </ac:spMkLst>
         </pc:spChg>
         <pc:spChg chg="mod">
@@ -918,6 +935,325 @@
           <pc:docMk/>
           <pc:sldMk cId="3368981627" sldId="258"/>
         </pc:sldMkLst>
+      </pc:sldChg>
+      <pc:sldChg chg="addSp delSp modSp add mod">
+        <pc:chgData name="TAY FU WEN" userId="3ce95b04-c093-49f3-bc84-da593a32a19c" providerId="ADAL" clId="{56F708AA-76BE-422C-AD7B-1D69A4EEBC52}" dt="2024-02-25T02:00:11.368" v="1188" actId="1037"/>
+        <pc:sldMkLst>
+          <pc:docMk/>
+          <pc:sldMk cId="10188574" sldId="259"/>
+        </pc:sldMkLst>
+        <pc:spChg chg="mod">
+          <ac:chgData name="TAY FU WEN" userId="3ce95b04-c093-49f3-bc84-da593a32a19c" providerId="ADAL" clId="{56F708AA-76BE-422C-AD7B-1D69A4EEBC52}" dt="2024-02-25T01:52:37.464" v="1015" actId="1037"/>
+          <ac:spMkLst>
+            <pc:docMk/>
+            <pc:sldMk cId="10188574" sldId="259"/>
+            <ac:spMk id="5" creationId="{A8C0359A-F946-F0C0-35B3-390E558C0378}"/>
+          </ac:spMkLst>
+        </pc:spChg>
+        <pc:spChg chg="mod">
+          <ac:chgData name="TAY FU WEN" userId="3ce95b04-c093-49f3-bc84-da593a32a19c" providerId="ADAL" clId="{56F708AA-76BE-422C-AD7B-1D69A4EEBC52}" dt="2024-02-25T01:59:25.072" v="1181" actId="1036"/>
+          <ac:spMkLst>
+            <pc:docMk/>
+            <pc:sldMk cId="10188574" sldId="259"/>
+            <ac:spMk id="7" creationId="{585CDBED-AFD3-07BC-5354-F9DE4E724B05}"/>
+          </ac:spMkLst>
+        </pc:spChg>
+        <pc:spChg chg="mod">
+          <ac:chgData name="TAY FU WEN" userId="3ce95b04-c093-49f3-bc84-da593a32a19c" providerId="ADAL" clId="{56F708AA-76BE-422C-AD7B-1D69A4EEBC52}" dt="2024-02-25T01:52:37.464" v="1015" actId="1037"/>
+          <ac:spMkLst>
+            <pc:docMk/>
+            <pc:sldMk cId="10188574" sldId="259"/>
+            <ac:spMk id="9" creationId="{7F624F15-73C2-5834-2874-D484A2FE419F}"/>
+          </ac:spMkLst>
+        </pc:spChg>
+        <pc:spChg chg="mod">
+          <ac:chgData name="TAY FU WEN" userId="3ce95b04-c093-49f3-bc84-da593a32a19c" providerId="ADAL" clId="{56F708AA-76BE-422C-AD7B-1D69A4EEBC52}" dt="2024-02-25T01:47:52.727" v="723" actId="1037"/>
+          <ac:spMkLst>
+            <pc:docMk/>
+            <pc:sldMk cId="10188574" sldId="259"/>
+            <ac:spMk id="19" creationId="{B41C66A9-31F2-9C1C-7B1B-31E0448EBCFB}"/>
+          </ac:spMkLst>
+        </pc:spChg>
+        <pc:spChg chg="mod topLvl">
+          <ac:chgData name="TAY FU WEN" userId="3ce95b04-c093-49f3-bc84-da593a32a19c" providerId="ADAL" clId="{56F708AA-76BE-422C-AD7B-1D69A4EEBC52}" dt="2024-02-25T01:53:34.268" v="1016" actId="165"/>
+          <ac:spMkLst>
+            <pc:docMk/>
+            <pc:sldMk cId="10188574" sldId="259"/>
+            <ac:spMk id="23" creationId="{BBAE6E91-9322-83B4-6290-BF8326C0938D}"/>
+          </ac:spMkLst>
+        </pc:spChg>
+        <pc:spChg chg="mod">
+          <ac:chgData name="TAY FU WEN" userId="3ce95b04-c093-49f3-bc84-da593a32a19c" providerId="ADAL" clId="{56F708AA-76BE-422C-AD7B-1D69A4EEBC52}" dt="2024-02-25T01:50:06.444" v="876" actId="1038"/>
+          <ac:spMkLst>
+            <pc:docMk/>
+            <pc:sldMk cId="10188574" sldId="259"/>
+            <ac:spMk id="25" creationId="{9E2655A9-00E4-443C-2432-B97AE8F1698A}"/>
+          </ac:spMkLst>
+        </pc:spChg>
+        <pc:spChg chg="mod">
+          <ac:chgData name="TAY FU WEN" userId="3ce95b04-c093-49f3-bc84-da593a32a19c" providerId="ADAL" clId="{56F708AA-76BE-422C-AD7B-1D69A4EEBC52}" dt="2024-02-25T01:49:08.994" v="805" actId="1038"/>
+          <ac:spMkLst>
+            <pc:docMk/>
+            <pc:sldMk cId="10188574" sldId="259"/>
+            <ac:spMk id="31" creationId="{14DFC13C-D16F-0D4E-1A8C-3FD05E3BCDBE}"/>
+          </ac:spMkLst>
+        </pc:spChg>
+        <pc:spChg chg="mod">
+          <ac:chgData name="TAY FU WEN" userId="3ce95b04-c093-49f3-bc84-da593a32a19c" providerId="ADAL" clId="{56F708AA-76BE-422C-AD7B-1D69A4EEBC52}" dt="2024-02-25T01:57:09.313" v="1080" actId="20577"/>
+          <ac:spMkLst>
+            <pc:docMk/>
+            <pc:sldMk cId="10188574" sldId="259"/>
+            <ac:spMk id="37" creationId="{10FA7957-48E2-FF3F-ECE2-15EFF376630B}"/>
+          </ac:spMkLst>
+        </pc:spChg>
+        <pc:spChg chg="mod topLvl">
+          <ac:chgData name="TAY FU WEN" userId="3ce95b04-c093-49f3-bc84-da593a32a19c" providerId="ADAL" clId="{56F708AA-76BE-422C-AD7B-1D69A4EEBC52}" dt="2024-02-25T01:53:35.775" v="1017" actId="165"/>
+          <ac:spMkLst>
+            <pc:docMk/>
+            <pc:sldMk cId="10188574" sldId="259"/>
+            <ac:spMk id="39" creationId="{F5B2EE2C-19E7-1FE1-05A8-F793FC8ECEC5}"/>
+          </ac:spMkLst>
+        </pc:spChg>
+        <pc:spChg chg="add mod">
+          <ac:chgData name="TAY FU WEN" userId="3ce95b04-c093-49f3-bc84-da593a32a19c" providerId="ADAL" clId="{56F708AA-76BE-422C-AD7B-1D69A4EEBC52}" dt="2024-02-25T01:54:54.200" v="1053" actId="14100"/>
+          <ac:spMkLst>
+            <pc:docMk/>
+            <pc:sldMk cId="10188574" sldId="259"/>
+            <ac:spMk id="51" creationId="{10554A35-A543-85E7-546F-A8FD525A5150}"/>
+          </ac:spMkLst>
+        </pc:spChg>
+        <pc:spChg chg="add mod">
+          <ac:chgData name="TAY FU WEN" userId="3ce95b04-c093-49f3-bc84-da593a32a19c" providerId="ADAL" clId="{56F708AA-76BE-422C-AD7B-1D69A4EEBC52}" dt="2024-02-25T02:00:11.368" v="1188" actId="1037"/>
+          <ac:spMkLst>
+            <pc:docMk/>
+            <pc:sldMk cId="10188574" sldId="259"/>
+            <ac:spMk id="53" creationId="{57718FF1-C0B9-F797-EAB1-3D4C434EE7D9}"/>
+          </ac:spMkLst>
+        </pc:spChg>
+        <pc:spChg chg="mod">
+          <ac:chgData name="TAY FU WEN" userId="3ce95b04-c093-49f3-bc84-da593a32a19c" providerId="ADAL" clId="{56F708AA-76BE-422C-AD7B-1D69A4EEBC52}" dt="2024-02-25T01:48:42.624" v="796" actId="1037"/>
+          <ac:spMkLst>
+            <pc:docMk/>
+            <pc:sldMk cId="10188574" sldId="259"/>
+            <ac:spMk id="54" creationId="{FE385EA4-F91D-0730-D7D9-CAFDAF247D8B}"/>
+          </ac:spMkLst>
+        </pc:spChg>
+        <pc:spChg chg="add mod">
+          <ac:chgData name="TAY FU WEN" userId="3ce95b04-c093-49f3-bc84-da593a32a19c" providerId="ADAL" clId="{56F708AA-76BE-422C-AD7B-1D69A4EEBC52}" dt="2024-02-25T02:00:11.368" v="1188" actId="1037"/>
+          <ac:spMkLst>
+            <pc:docMk/>
+            <pc:sldMk cId="10188574" sldId="259"/>
+            <ac:spMk id="55" creationId="{F0D7559A-1DF4-88C7-B6AB-F341E8D13C42}"/>
+          </ac:spMkLst>
+        </pc:spChg>
+        <pc:spChg chg="add mod">
+          <ac:chgData name="TAY FU WEN" userId="3ce95b04-c093-49f3-bc84-da593a32a19c" providerId="ADAL" clId="{56F708AA-76BE-422C-AD7B-1D69A4EEBC52}" dt="2024-02-25T02:00:11.368" v="1188" actId="1037"/>
+          <ac:spMkLst>
+            <pc:docMk/>
+            <pc:sldMk cId="10188574" sldId="259"/>
+            <ac:spMk id="56" creationId="{EB54A7C7-6C4E-5535-3602-B44980374D09}"/>
+          </ac:spMkLst>
+        </pc:spChg>
+        <pc:spChg chg="mod">
+          <ac:chgData name="TAY FU WEN" userId="3ce95b04-c093-49f3-bc84-da593a32a19c" providerId="ADAL" clId="{56F708AA-76BE-422C-AD7B-1D69A4EEBC52}" dt="2024-02-25T01:47:52.727" v="723" actId="1037"/>
+          <ac:spMkLst>
+            <pc:docMk/>
+            <pc:sldMk cId="10188574" sldId="259"/>
+            <ac:spMk id="1047" creationId="{9324AF8F-7642-3681-8FD4-8E72E0A41F36}"/>
+          </ac:spMkLst>
+        </pc:spChg>
+        <pc:grpChg chg="mod">
+          <ac:chgData name="TAY FU WEN" userId="3ce95b04-c093-49f3-bc84-da593a32a19c" providerId="ADAL" clId="{56F708AA-76BE-422C-AD7B-1D69A4EEBC52}" dt="2024-02-25T01:52:37.464" v="1015" actId="1037"/>
+          <ac:grpSpMkLst>
+            <pc:docMk/>
+            <pc:sldMk cId="10188574" sldId="259"/>
+            <ac:grpSpMk id="10" creationId="{B6077410-64F4-A8F0-F5E7-4F53FC171937}"/>
+          </ac:grpSpMkLst>
+        </pc:grpChg>
+        <pc:grpChg chg="mod">
+          <ac:chgData name="TAY FU WEN" userId="3ce95b04-c093-49f3-bc84-da593a32a19c" providerId="ADAL" clId="{56F708AA-76BE-422C-AD7B-1D69A4EEBC52}" dt="2024-02-25T01:52:37.464" v="1015" actId="1037"/>
+          <ac:grpSpMkLst>
+            <pc:docMk/>
+            <pc:sldMk cId="10188574" sldId="259"/>
+            <ac:grpSpMk id="15" creationId="{4279554C-8FE3-20B3-1C5B-8081FEDC2684}"/>
+          </ac:grpSpMkLst>
+        </pc:grpChg>
+        <pc:grpChg chg="mod">
+          <ac:chgData name="TAY FU WEN" userId="3ce95b04-c093-49f3-bc84-da593a32a19c" providerId="ADAL" clId="{56F708AA-76BE-422C-AD7B-1D69A4EEBC52}" dt="2024-02-25T01:52:37.464" v="1015" actId="1037"/>
+          <ac:grpSpMkLst>
+            <pc:docMk/>
+            <pc:sldMk cId="10188574" sldId="259"/>
+            <ac:grpSpMk id="41" creationId="{87C1C1A6-DF08-8FD2-BDD4-7FDE825E69E4}"/>
+          </ac:grpSpMkLst>
+        </pc:grpChg>
+        <pc:grpChg chg="mod">
+          <ac:chgData name="TAY FU WEN" userId="3ce95b04-c093-49f3-bc84-da593a32a19c" providerId="ADAL" clId="{56F708AA-76BE-422C-AD7B-1D69A4EEBC52}" dt="2024-02-25T01:59:25.072" v="1181" actId="1036"/>
+          <ac:grpSpMkLst>
+            <pc:docMk/>
+            <pc:sldMk cId="10188574" sldId="259"/>
+            <ac:grpSpMk id="42" creationId="{07596871-8C65-077B-15E7-D79EACAC1A37}"/>
+          </ac:grpSpMkLst>
+        </pc:grpChg>
+        <pc:grpChg chg="del mod">
+          <ac:chgData name="TAY FU WEN" userId="3ce95b04-c093-49f3-bc84-da593a32a19c" providerId="ADAL" clId="{56F708AA-76BE-422C-AD7B-1D69A4EEBC52}" dt="2024-02-25T01:53:35.775" v="1017" actId="165"/>
+          <ac:grpSpMkLst>
+            <pc:docMk/>
+            <pc:sldMk cId="10188574" sldId="259"/>
+            <ac:grpSpMk id="44" creationId="{BD243FA5-79B2-6CC1-EC6C-9F258B4809C3}"/>
+          </ac:grpSpMkLst>
+        </pc:grpChg>
+        <pc:grpChg chg="del">
+          <ac:chgData name="TAY FU WEN" userId="3ce95b04-c093-49f3-bc84-da593a32a19c" providerId="ADAL" clId="{56F708AA-76BE-422C-AD7B-1D69A4EEBC52}" dt="2024-02-25T01:54:59.382" v="1054" actId="478"/>
+          <ac:grpSpMkLst>
+            <pc:docMk/>
+            <pc:sldMk cId="10188574" sldId="259"/>
+            <ac:grpSpMk id="46" creationId="{C1C5282B-0540-F3F5-B084-CA306E446FB2}"/>
+          </ac:grpSpMkLst>
+        </pc:grpChg>
+        <pc:grpChg chg="del mod">
+          <ac:chgData name="TAY FU WEN" userId="3ce95b04-c093-49f3-bc84-da593a32a19c" providerId="ADAL" clId="{56F708AA-76BE-422C-AD7B-1D69A4EEBC52}" dt="2024-02-25T01:53:34.268" v="1016" actId="165"/>
+          <ac:grpSpMkLst>
+            <pc:docMk/>
+            <pc:sldMk cId="10188574" sldId="259"/>
+            <ac:grpSpMk id="47" creationId="{0D4BB26C-076F-EB23-2F13-A1ECA7FACF80}"/>
+          </ac:grpSpMkLst>
+        </pc:grpChg>
+        <pc:grpChg chg="add mod">
+          <ac:chgData name="TAY FU WEN" userId="3ce95b04-c093-49f3-bc84-da593a32a19c" providerId="ADAL" clId="{56F708AA-76BE-422C-AD7B-1D69A4EEBC52}" dt="2024-02-25T01:57:18.792" v="1081" actId="14100"/>
+          <ac:grpSpMkLst>
+            <pc:docMk/>
+            <pc:sldMk cId="10188574" sldId="259"/>
+            <ac:grpSpMk id="52" creationId="{F28284F2-AB3B-1061-2B22-6C914E297937}"/>
+          </ac:grpSpMkLst>
+        </pc:grpChg>
+        <pc:picChg chg="mod">
+          <ac:chgData name="TAY FU WEN" userId="3ce95b04-c093-49f3-bc84-da593a32a19c" providerId="ADAL" clId="{56F708AA-76BE-422C-AD7B-1D69A4EEBC52}" dt="2024-02-25T01:52:37.464" v="1015" actId="1037"/>
+          <ac:picMkLst>
+            <pc:docMk/>
+            <pc:sldMk cId="10188574" sldId="259"/>
+            <ac:picMk id="3" creationId="{2EF482F1-D94F-AFB6-6F3C-AD5F5CE99342}"/>
+          </ac:picMkLst>
+        </pc:picChg>
+        <pc:picChg chg="mod">
+          <ac:chgData name="TAY FU WEN" userId="3ce95b04-c093-49f3-bc84-da593a32a19c" providerId="ADAL" clId="{56F708AA-76BE-422C-AD7B-1D69A4EEBC52}" dt="2024-02-25T01:52:37.464" v="1015" actId="1037"/>
+          <ac:picMkLst>
+            <pc:docMk/>
+            <pc:sldMk cId="10188574" sldId="259"/>
+            <ac:picMk id="40" creationId="{5447B617-40DD-0E5A-E394-23EFDAB98653}"/>
+          </ac:picMkLst>
+        </pc:picChg>
+        <pc:picChg chg="mod">
+          <ac:chgData name="TAY FU WEN" userId="3ce95b04-c093-49f3-bc84-da593a32a19c" providerId="ADAL" clId="{56F708AA-76BE-422C-AD7B-1D69A4EEBC52}" dt="2024-02-25T01:59:25.072" v="1181" actId="1036"/>
+          <ac:picMkLst>
+            <pc:docMk/>
+            <pc:sldMk cId="10188574" sldId="259"/>
+            <ac:picMk id="1026" creationId="{63433FD8-C670-1FAD-6BBB-1CBDAF702EFE}"/>
+          </ac:picMkLst>
+        </pc:picChg>
+        <pc:picChg chg="mod">
+          <ac:chgData name="TAY FU WEN" userId="3ce95b04-c093-49f3-bc84-da593a32a19c" providerId="ADAL" clId="{56F708AA-76BE-422C-AD7B-1D69A4EEBC52}" dt="2024-02-25T01:52:37.464" v="1015" actId="1037"/>
+          <ac:picMkLst>
+            <pc:docMk/>
+            <pc:sldMk cId="10188574" sldId="259"/>
+            <ac:picMk id="1028" creationId="{52D37C39-7330-62B4-8C25-367C979EB37E}"/>
+          </ac:picMkLst>
+        </pc:picChg>
+        <pc:cxnChg chg="add del mod">
+          <ac:chgData name="TAY FU WEN" userId="3ce95b04-c093-49f3-bc84-da593a32a19c" providerId="ADAL" clId="{56F708AA-76BE-422C-AD7B-1D69A4EEBC52}" dt="2024-02-25T01:50:09.941" v="877" actId="478"/>
+          <ac:cxnSpMkLst>
+            <pc:docMk/>
+            <pc:sldMk cId="10188574" sldId="259"/>
+            <ac:cxnSpMk id="14" creationId="{02E80151-5B67-FD5D-53C8-06BA4AED45B6}"/>
+          </ac:cxnSpMkLst>
+        </pc:cxnChg>
+        <pc:cxnChg chg="mod topLvl">
+          <ac:chgData name="TAY FU WEN" userId="3ce95b04-c093-49f3-bc84-da593a32a19c" providerId="ADAL" clId="{56F708AA-76BE-422C-AD7B-1D69A4EEBC52}" dt="2024-02-25T01:56:04.162" v="1058" actId="1036"/>
+          <ac:cxnSpMkLst>
+            <pc:docMk/>
+            <pc:sldMk cId="10188574" sldId="259"/>
+            <ac:cxnSpMk id="18" creationId="{A9950D2C-89BB-89BD-A525-F52513DF6648}"/>
+          </ac:cxnSpMkLst>
+        </pc:cxnChg>
+        <pc:cxnChg chg="mod">
+          <ac:chgData name="TAY FU WEN" userId="3ce95b04-c093-49f3-bc84-da593a32a19c" providerId="ADAL" clId="{56F708AA-76BE-422C-AD7B-1D69A4EEBC52}" dt="2024-02-25T01:51:24.408" v="889" actId="14100"/>
+          <ac:cxnSpMkLst>
+            <pc:docMk/>
+            <pc:sldMk cId="10188574" sldId="259"/>
+            <ac:cxnSpMk id="22" creationId="{CF876465-6245-5BAD-D98E-6885F59753E6}"/>
+          </ac:cxnSpMkLst>
+        </pc:cxnChg>
+        <pc:cxnChg chg="add del mod">
+          <ac:chgData name="TAY FU WEN" userId="3ce95b04-c093-49f3-bc84-da593a32a19c" providerId="ADAL" clId="{56F708AA-76BE-422C-AD7B-1D69A4EEBC52}" dt="2024-02-25T01:51:34.714" v="890" actId="478"/>
+          <ac:cxnSpMkLst>
+            <pc:docMk/>
+            <pc:sldMk cId="10188574" sldId="259"/>
+            <ac:cxnSpMk id="28" creationId="{EA3FB93D-4B1E-02EB-CE34-1F87693FE834}"/>
+          </ac:cxnSpMkLst>
+        </pc:cxnChg>
+        <pc:cxnChg chg="mod">
+          <ac:chgData name="TAY FU WEN" userId="3ce95b04-c093-49f3-bc84-da593a32a19c" providerId="ADAL" clId="{56F708AA-76BE-422C-AD7B-1D69A4EEBC52}" dt="2024-02-25T01:49:04.338" v="797" actId="14100"/>
+          <ac:cxnSpMkLst>
+            <pc:docMk/>
+            <pc:sldMk cId="10188574" sldId="259"/>
+            <ac:cxnSpMk id="30" creationId="{9542FBB0-F97F-5DC1-F61A-16C08E2A1AA7}"/>
+          </ac:cxnSpMkLst>
+        </pc:cxnChg>
+        <pc:cxnChg chg="mod topLvl">
+          <ac:chgData name="TAY FU WEN" userId="3ce95b04-c093-49f3-bc84-da593a32a19c" providerId="ADAL" clId="{56F708AA-76BE-422C-AD7B-1D69A4EEBC52}" dt="2024-02-25T01:53:35.775" v="1017" actId="165"/>
+          <ac:cxnSpMkLst>
+            <pc:docMk/>
+            <pc:sldMk cId="10188574" sldId="259"/>
+            <ac:cxnSpMk id="38" creationId="{56DEC9B9-CF3C-3B1E-9693-9D767259F55A}"/>
+          </ac:cxnSpMkLst>
+        </pc:cxnChg>
+        <pc:cxnChg chg="add mod">
+          <ac:chgData name="TAY FU WEN" userId="3ce95b04-c093-49f3-bc84-da593a32a19c" providerId="ADAL" clId="{56F708AA-76BE-422C-AD7B-1D69A4EEBC52}" dt="2024-02-25T01:55:31.634" v="1057"/>
+          <ac:cxnSpMkLst>
+            <pc:docMk/>
+            <pc:sldMk cId="10188574" sldId="259"/>
+            <ac:cxnSpMk id="45" creationId="{2424FD66-E5CD-E220-8D3A-EFCCD1747450}"/>
+          </ac:cxnSpMkLst>
+        </pc:cxnChg>
+        <pc:cxnChg chg="add mod">
+          <ac:chgData name="TAY FU WEN" userId="3ce95b04-c093-49f3-bc84-da593a32a19c" providerId="ADAL" clId="{56F708AA-76BE-422C-AD7B-1D69A4EEBC52}" dt="2024-02-25T01:55:12.211" v="1055"/>
+          <ac:cxnSpMkLst>
+            <pc:docMk/>
+            <pc:sldMk cId="10188574" sldId="259"/>
+            <ac:cxnSpMk id="48" creationId="{9A160C02-347A-1AEB-D412-A35B1DD28521}"/>
+          </ac:cxnSpMkLst>
+        </pc:cxnChg>
+        <pc:cxnChg chg="add mod">
+          <ac:chgData name="TAY FU WEN" userId="3ce95b04-c093-49f3-bc84-da593a32a19c" providerId="ADAL" clId="{56F708AA-76BE-422C-AD7B-1D69A4EEBC52}" dt="2024-02-25T01:55:19.917" v="1056"/>
+          <ac:cxnSpMkLst>
+            <pc:docMk/>
+            <pc:sldMk cId="10188574" sldId="259"/>
+            <ac:cxnSpMk id="49" creationId="{73BFB575-6428-B68A-E4C9-8FD6BB126573}"/>
+          </ac:cxnSpMkLst>
+        </pc:cxnChg>
+        <pc:cxnChg chg="add del mod">
+          <ac:chgData name="TAY FU WEN" userId="3ce95b04-c093-49f3-bc84-da593a32a19c" providerId="ADAL" clId="{56F708AA-76BE-422C-AD7B-1D69A4EEBC52}" dt="2024-02-25T01:59:27.490" v="1182" actId="478"/>
+          <ac:cxnSpMkLst>
+            <pc:docMk/>
+            <pc:sldMk cId="10188574" sldId="259"/>
+            <ac:cxnSpMk id="59" creationId="{122F8CB8-B030-7939-8E17-4B17B95ED33F}"/>
+          </ac:cxnSpMkLst>
+        </pc:cxnChg>
+        <pc:cxnChg chg="mod">
+          <ac:chgData name="TAY FU WEN" userId="3ce95b04-c093-49f3-bc84-da593a32a19c" providerId="ADAL" clId="{56F708AA-76BE-422C-AD7B-1D69A4EEBC52}" dt="2024-02-25T01:59:47.770" v="1184" actId="14100"/>
+          <ac:cxnSpMkLst>
+            <pc:docMk/>
+            <pc:sldMk cId="10188574" sldId="259"/>
+            <ac:cxnSpMk id="1041" creationId="{3AE56753-31B4-6E47-2A63-3F75BFE46640}"/>
+          </ac:cxnSpMkLst>
+        </pc:cxnChg>
+        <pc:cxnChg chg="mod">
+          <ac:chgData name="TAY FU WEN" userId="3ce95b04-c093-49f3-bc84-da593a32a19c" providerId="ADAL" clId="{56F708AA-76BE-422C-AD7B-1D69A4EEBC52}" dt="2024-02-25T01:47:52.727" v="723" actId="1037"/>
+          <ac:cxnSpMkLst>
+            <pc:docMk/>
+            <pc:sldMk cId="10188574" sldId="259"/>
+            <ac:cxnSpMk id="1042" creationId="{4274167F-9275-E0A8-A0BC-8C79F99DEDE0}"/>
+          </ac:cxnSpMkLst>
+        </pc:cxnChg>
       </pc:sldChg>
       <pc:sldMasterChg chg="modSp modSldLayout">
         <pc:chgData name="TAY FU WEN" userId="3ce95b04-c093-49f3-bc84-da593a32a19c" providerId="ADAL" clId="{56F708AA-76BE-422C-AD7B-1D69A4EEBC52}" dt="2024-02-23T13:12:46.154" v="205"/>
@@ -1329,7 +1665,7 @@
           <a:p>
             <a:fld id="{B4BDD6C8-5DAB-416C-AAF7-36505CE97DC1}" type="datetimeFigureOut">
               <a:rPr lang="en-SG" smtClean="0"/>
-              <a:t>23/2/2024</a:t>
+              <a:t>24/2/2024</a:t>
             </a:fld>
             <a:endParaRPr lang="en-SG"/>
           </a:p>
@@ -1499,7 +1835,7 @@
           <a:p>
             <a:fld id="{B4BDD6C8-5DAB-416C-AAF7-36505CE97DC1}" type="datetimeFigureOut">
               <a:rPr lang="en-SG" smtClean="0"/>
-              <a:t>23/2/2024</a:t>
+              <a:t>24/2/2024</a:t>
             </a:fld>
             <a:endParaRPr lang="en-SG"/>
           </a:p>
@@ -1679,7 +2015,7 @@
           <a:p>
             <a:fld id="{B4BDD6C8-5DAB-416C-AAF7-36505CE97DC1}" type="datetimeFigureOut">
               <a:rPr lang="en-SG" smtClean="0"/>
-              <a:t>23/2/2024</a:t>
+              <a:t>24/2/2024</a:t>
             </a:fld>
             <a:endParaRPr lang="en-SG"/>
           </a:p>
@@ -1849,7 +2185,7 @@
           <a:p>
             <a:fld id="{B4BDD6C8-5DAB-416C-AAF7-36505CE97DC1}" type="datetimeFigureOut">
               <a:rPr lang="en-SG" smtClean="0"/>
-              <a:t>23/2/2024</a:t>
+              <a:t>24/2/2024</a:t>
             </a:fld>
             <a:endParaRPr lang="en-SG"/>
           </a:p>
@@ -2093,7 +2429,7 @@
           <a:p>
             <a:fld id="{B4BDD6C8-5DAB-416C-AAF7-36505CE97DC1}" type="datetimeFigureOut">
               <a:rPr lang="en-SG" smtClean="0"/>
-              <a:t>23/2/2024</a:t>
+              <a:t>24/2/2024</a:t>
             </a:fld>
             <a:endParaRPr lang="en-SG"/>
           </a:p>
@@ -2325,7 +2661,7 @@
           <a:p>
             <a:fld id="{B4BDD6C8-5DAB-416C-AAF7-36505CE97DC1}" type="datetimeFigureOut">
               <a:rPr lang="en-SG" smtClean="0"/>
-              <a:t>23/2/2024</a:t>
+              <a:t>24/2/2024</a:t>
             </a:fld>
             <a:endParaRPr lang="en-SG"/>
           </a:p>
@@ -2692,7 +3028,7 @@
           <a:p>
             <a:fld id="{B4BDD6C8-5DAB-416C-AAF7-36505CE97DC1}" type="datetimeFigureOut">
               <a:rPr lang="en-SG" smtClean="0"/>
-              <a:t>23/2/2024</a:t>
+              <a:t>24/2/2024</a:t>
             </a:fld>
             <a:endParaRPr lang="en-SG"/>
           </a:p>
@@ -2810,7 +3146,7 @@
           <a:p>
             <a:fld id="{B4BDD6C8-5DAB-416C-AAF7-36505CE97DC1}" type="datetimeFigureOut">
               <a:rPr lang="en-SG" smtClean="0"/>
-              <a:t>23/2/2024</a:t>
+              <a:t>24/2/2024</a:t>
             </a:fld>
             <a:endParaRPr lang="en-SG"/>
           </a:p>
@@ -2905,7 +3241,7 @@
           <a:p>
             <a:fld id="{B4BDD6C8-5DAB-416C-AAF7-36505CE97DC1}" type="datetimeFigureOut">
               <a:rPr lang="en-SG" smtClean="0"/>
-              <a:t>23/2/2024</a:t>
+              <a:t>24/2/2024</a:t>
             </a:fld>
             <a:endParaRPr lang="en-SG"/>
           </a:p>
@@ -3182,7 +3518,7 @@
           <a:p>
             <a:fld id="{B4BDD6C8-5DAB-416C-AAF7-36505CE97DC1}" type="datetimeFigureOut">
               <a:rPr lang="en-SG" smtClean="0"/>
-              <a:t>23/2/2024</a:t>
+              <a:t>24/2/2024</a:t>
             </a:fld>
             <a:endParaRPr lang="en-SG"/>
           </a:p>
@@ -3439,7 +3775,7 @@
           <a:p>
             <a:fld id="{B4BDD6C8-5DAB-416C-AAF7-36505CE97DC1}" type="datetimeFigureOut">
               <a:rPr lang="en-SG" smtClean="0"/>
-              <a:t>23/2/2024</a:t>
+              <a:t>24/2/2024</a:t>
             </a:fld>
             <a:endParaRPr lang="en-SG"/>
           </a:p>
@@ -3652,7 +3988,7 @@
           <a:p>
             <a:fld id="{B4BDD6C8-5DAB-416C-AAF7-36505CE97DC1}" type="datetimeFigureOut">
               <a:rPr lang="en-SG" smtClean="0"/>
-              <a:t>23/2/2024</a:t>
+              <a:t>24/2/2024</a:t>
             </a:fld>
             <a:endParaRPr lang="en-SG"/>
           </a:p>
@@ -5336,7 +5672,7 @@
           <a:lstStyle/>
           <a:p>
             <a:pPr algn="ctr"/>
-            <a:endParaRPr lang="en-SG"/>
+            <a:endParaRPr lang="en-SG" dirty="0"/>
           </a:p>
         </p:txBody>
       </p:sp>
@@ -6885,10 +7221,2005 @@
           </a:p>
         </p:txBody>
       </p:sp>
+      <p:sp>
+        <p:nvSpPr>
+          <p:cNvPr id="2" name="TextBox 1">
+            <a:extLst>
+              <a:ext uri="{FF2B5EF4-FFF2-40B4-BE49-F238E27FC236}">
+                <a16:creationId xmlns:a16="http://schemas.microsoft.com/office/drawing/2014/main" id="{5321C93E-2635-1FC0-B572-B69E06AC505A}"/>
+              </a:ext>
+            </a:extLst>
+          </p:cNvPr>
+          <p:cNvSpPr txBox="1"/>
+          <p:nvPr/>
+        </p:nvSpPr>
+        <p:spPr>
+          <a:xfrm>
+            <a:off x="-1183696" y="6035842"/>
+            <a:ext cx="1360184" cy="369332"/>
+          </a:xfrm>
+          <a:prstGeom prst="rect">
+            <a:avLst/>
+          </a:prstGeom>
+          <a:noFill/>
+        </p:spPr>
+        <p:txBody>
+          <a:bodyPr wrap="square" rtlCol="0">
+            <a:spAutoFit/>
+          </a:bodyPr>
+          <a:lstStyle/>
+          <a:p>
+            <a:r>
+              <a:rPr lang="en-SG" dirty="0"/>
+              <a:t>Time series</a:t>
+            </a:r>
+          </a:p>
+        </p:txBody>
+      </p:sp>
+      <p:sp>
+        <p:nvSpPr>
+          <p:cNvPr id="8" name="TextBox 7">
+            <a:extLst>
+              <a:ext uri="{FF2B5EF4-FFF2-40B4-BE49-F238E27FC236}">
+                <a16:creationId xmlns:a16="http://schemas.microsoft.com/office/drawing/2014/main" id="{F61600A8-436E-5A85-1BB3-527DF624FFE4}"/>
+              </a:ext>
+            </a:extLst>
+          </p:cNvPr>
+          <p:cNvSpPr txBox="1"/>
+          <p:nvPr/>
+        </p:nvSpPr>
+        <p:spPr>
+          <a:xfrm>
+            <a:off x="-1183696" y="4211413"/>
+            <a:ext cx="1819429" cy="369332"/>
+          </a:xfrm>
+          <a:prstGeom prst="rect">
+            <a:avLst/>
+          </a:prstGeom>
+          <a:noFill/>
+        </p:spPr>
+        <p:txBody>
+          <a:bodyPr wrap="square" rtlCol="0">
+            <a:spAutoFit/>
+          </a:bodyPr>
+          <a:lstStyle/>
+          <a:p>
+            <a:r>
+              <a:rPr lang="en-SG" dirty="0"/>
+              <a:t>News</a:t>
+            </a:r>
+          </a:p>
+        </p:txBody>
+      </p:sp>
     </p:spTree>
     <p:extLst>
       <p:ext uri="{BB962C8B-B14F-4D97-AF65-F5344CB8AC3E}">
         <p14:creationId xmlns:p14="http://schemas.microsoft.com/office/powerpoint/2010/main" val="3344800846"/>
+      </p:ext>
+    </p:extLst>
+  </p:cSld>
+  <p:clrMapOvr>
+    <a:masterClrMapping/>
+  </p:clrMapOvr>
+</p:sld>
+</file>
+
+<file path=ppt/slides/slide3.xml><?xml version="1.0" encoding="utf-8"?>
+<p:sld xmlns:a="http://schemas.openxmlformats.org/drawingml/2006/main" xmlns:r="http://schemas.openxmlformats.org/officeDocument/2006/relationships" xmlns:p="http://schemas.openxmlformats.org/presentationml/2006/main">
+  <p:cSld>
+    <p:spTree>
+      <p:nvGrpSpPr>
+        <p:cNvPr id="1" name="">
+          <a:extLst>
+            <a:ext uri="{FF2B5EF4-FFF2-40B4-BE49-F238E27FC236}">
+              <a16:creationId xmlns:a16="http://schemas.microsoft.com/office/drawing/2014/main" id="{E20E5671-8D91-0568-B6E9-04D79028B666}"/>
+            </a:ext>
+          </a:extLst>
+        </p:cNvPr>
+        <p:cNvGrpSpPr/>
+        <p:nvPr/>
+      </p:nvGrpSpPr>
+      <p:grpSpPr>
+        <a:xfrm>
+          <a:off x="0" y="0"/>
+          <a:ext cx="0" cy="0"/>
+          <a:chOff x="0" y="0"/>
+          <a:chExt cx="0" cy="0"/>
+        </a:xfrm>
+      </p:grpSpPr>
+      <p:sp>
+        <p:nvSpPr>
+          <p:cNvPr id="1039" name="Rectangle 1038">
+            <a:extLst>
+              <a:ext uri="{FF2B5EF4-FFF2-40B4-BE49-F238E27FC236}">
+                <a16:creationId xmlns:a16="http://schemas.microsoft.com/office/drawing/2014/main" id="{B71ED0DD-615B-A446-EE4A-A7812E238CA2}"/>
+              </a:ext>
+            </a:extLst>
+          </p:cNvPr>
+          <p:cNvSpPr/>
+          <p:nvPr/>
+        </p:nvSpPr>
+        <p:spPr>
+          <a:xfrm>
+            <a:off x="1150009" y="6892830"/>
+            <a:ext cx="9891977" cy="1553782"/>
+          </a:xfrm>
+          <a:prstGeom prst="rect">
+            <a:avLst/>
+          </a:prstGeom>
+          <a:solidFill>
+            <a:schemeClr val="accent5"/>
+          </a:solidFill>
+          <a:ln w="19050">
+            <a:solidFill>
+              <a:schemeClr val="tx1"/>
+            </a:solidFill>
+          </a:ln>
+        </p:spPr>
+        <p:style>
+          <a:lnRef idx="2">
+            <a:schemeClr val="accent1">
+              <a:shade val="15000"/>
+            </a:schemeClr>
+          </a:lnRef>
+          <a:fillRef idx="1">
+            <a:schemeClr val="accent1"/>
+          </a:fillRef>
+          <a:effectRef idx="0">
+            <a:schemeClr val="accent1"/>
+          </a:effectRef>
+          <a:fontRef idx="minor">
+            <a:schemeClr val="lt1"/>
+          </a:fontRef>
+        </p:style>
+        <p:txBody>
+          <a:bodyPr rtlCol="0" anchor="ctr"/>
+          <a:lstStyle/>
+          <a:p>
+            <a:pPr algn="ctr"/>
+            <a:endParaRPr lang="en-SG"/>
+          </a:p>
+        </p:txBody>
+      </p:sp>
+      <p:sp>
+        <p:nvSpPr>
+          <p:cNvPr id="4" name="Rectangle 3">
+            <a:extLst>
+              <a:ext uri="{FF2B5EF4-FFF2-40B4-BE49-F238E27FC236}">
+                <a16:creationId xmlns:a16="http://schemas.microsoft.com/office/drawing/2014/main" id="{B597053C-6F24-B8FA-6B23-0073BE44EE28}"/>
+              </a:ext>
+            </a:extLst>
+          </p:cNvPr>
+          <p:cNvSpPr/>
+          <p:nvPr/>
+        </p:nvSpPr>
+        <p:spPr>
+          <a:xfrm>
+            <a:off x="664308" y="939521"/>
+            <a:ext cx="10863380" cy="7855564"/>
+          </a:xfrm>
+          <a:prstGeom prst="rect">
+            <a:avLst/>
+          </a:prstGeom>
+          <a:noFill/>
+          <a:ln w="38100">
+            <a:solidFill>
+              <a:schemeClr val="tx1"/>
+            </a:solidFill>
+          </a:ln>
+        </p:spPr>
+        <p:style>
+          <a:lnRef idx="2">
+            <a:schemeClr val="accent1">
+              <a:shade val="15000"/>
+            </a:schemeClr>
+          </a:lnRef>
+          <a:fillRef idx="1">
+            <a:schemeClr val="accent1"/>
+          </a:fillRef>
+          <a:effectRef idx="0">
+            <a:schemeClr val="accent1"/>
+          </a:effectRef>
+          <a:fontRef idx="minor">
+            <a:schemeClr val="lt1"/>
+          </a:fontRef>
+        </p:style>
+        <p:txBody>
+          <a:bodyPr rtlCol="0" anchor="ctr"/>
+          <a:lstStyle/>
+          <a:p>
+            <a:pPr algn="ctr"/>
+            <a:endParaRPr lang="en-SG" dirty="0"/>
+          </a:p>
+        </p:txBody>
+      </p:sp>
+      <p:pic>
+        <p:nvPicPr>
+          <p:cNvPr id="1030" name="Picture 6" descr="What is the benefit of Amazon EC2? - Quora">
+            <a:extLst>
+              <a:ext uri="{FF2B5EF4-FFF2-40B4-BE49-F238E27FC236}">
+                <a16:creationId xmlns:a16="http://schemas.microsoft.com/office/drawing/2014/main" id="{9312D09F-46B1-EC06-6E4F-6DEDE829AF7A}"/>
+              </a:ext>
+            </a:extLst>
+          </p:cNvPr>
+          <p:cNvPicPr>
+            <a:picLocks noChangeAspect="1" noChangeArrowheads="1"/>
+          </p:cNvPicPr>
+          <p:nvPr/>
+        </p:nvPicPr>
+        <p:blipFill>
+          <a:blip r:embed="rId2">
+            <a:extLst>
+              <a:ext uri="{28A0092B-C50C-407E-A947-70E740481C1C}">
+                <a14:useLocalDpi xmlns:a14="http://schemas.microsoft.com/office/drawing/2010/main" val="0"/>
+              </a:ext>
+            </a:extLst>
+          </a:blip>
+          <a:srcRect/>
+          <a:stretch>
+            <a:fillRect/>
+          </a:stretch>
+        </p:blipFill>
+        <p:spPr bwMode="auto">
+          <a:xfrm>
+            <a:off x="5011210" y="939527"/>
+            <a:ext cx="2169589" cy="1390485"/>
+          </a:xfrm>
+          <a:prstGeom prst="rect">
+            <a:avLst/>
+          </a:prstGeom>
+          <a:noFill/>
+          <a:extLst>
+            <a:ext uri="{909E8E84-426E-40DD-AFC4-6F175D3DCCD1}">
+              <a14:hiddenFill xmlns:a14="http://schemas.microsoft.com/office/drawing/2010/main">
+                <a:solidFill>
+                  <a:srgbClr val="FFFFFF"/>
+                </a:solidFill>
+              </a14:hiddenFill>
+            </a:ext>
+          </a:extLst>
+        </p:spPr>
+      </p:pic>
+      <p:cxnSp>
+        <p:nvCxnSpPr>
+          <p:cNvPr id="6" name="Straight Connector 5">
+            <a:extLst>
+              <a:ext uri="{FF2B5EF4-FFF2-40B4-BE49-F238E27FC236}">
+                <a16:creationId xmlns:a16="http://schemas.microsoft.com/office/drawing/2014/main" id="{3443A4C8-B239-C16F-CED1-AEAE8A50B0C9}"/>
+              </a:ext>
+            </a:extLst>
+          </p:cNvPr>
+          <p:cNvCxnSpPr/>
+          <p:nvPr/>
+        </p:nvCxnSpPr>
+        <p:spPr>
+          <a:xfrm>
+            <a:off x="756083" y="2232352"/>
+            <a:ext cx="10679837" cy="0"/>
+          </a:xfrm>
+          <a:prstGeom prst="line">
+            <a:avLst/>
+          </a:prstGeom>
+          <a:ln w="38100">
+            <a:solidFill>
+              <a:schemeClr val="tx1"/>
+            </a:solidFill>
+          </a:ln>
+        </p:spPr>
+        <p:style>
+          <a:lnRef idx="1">
+            <a:schemeClr val="accent1"/>
+          </a:lnRef>
+          <a:fillRef idx="0">
+            <a:schemeClr val="accent1"/>
+          </a:fillRef>
+          <a:effectRef idx="0">
+            <a:schemeClr val="accent1"/>
+          </a:effectRef>
+          <a:fontRef idx="minor">
+            <a:schemeClr val="tx1"/>
+          </a:fontRef>
+        </p:style>
+      </p:cxnSp>
+      <p:grpSp>
+        <p:nvGrpSpPr>
+          <p:cNvPr id="42" name="Group 41">
+            <a:extLst>
+              <a:ext uri="{FF2B5EF4-FFF2-40B4-BE49-F238E27FC236}">
+                <a16:creationId xmlns:a16="http://schemas.microsoft.com/office/drawing/2014/main" id="{07596871-8C65-077B-15E7-D79EACAC1A37}"/>
+              </a:ext>
+            </a:extLst>
+          </p:cNvPr>
+          <p:cNvGrpSpPr/>
+          <p:nvPr/>
+        </p:nvGrpSpPr>
+        <p:grpSpPr>
+          <a:xfrm>
+            <a:off x="1037246" y="4017027"/>
+            <a:ext cx="1725665" cy="1283465"/>
+            <a:chOff x="873301" y="3839793"/>
+            <a:chExt cx="1725665" cy="1283465"/>
+          </a:xfrm>
+        </p:grpSpPr>
+        <p:pic>
+          <p:nvPicPr>
+            <p:cNvPr id="1026" name="Picture 2" descr="Alpaca · GitHub">
+              <a:extLst>
+                <a:ext uri="{FF2B5EF4-FFF2-40B4-BE49-F238E27FC236}">
+                  <a16:creationId xmlns:a16="http://schemas.microsoft.com/office/drawing/2014/main" id="{63433FD8-C670-1FAD-6BBB-1CBDAF702EFE}"/>
+                </a:ext>
+              </a:extLst>
+            </p:cNvPr>
+            <p:cNvPicPr>
+              <a:picLocks noChangeAspect="1" noChangeArrowheads="1"/>
+            </p:cNvPicPr>
+            <p:nvPr/>
+          </p:nvPicPr>
+          <p:blipFill>
+            <a:blip r:embed="rId3">
+              <a:extLst>
+                <a:ext uri="{28A0092B-C50C-407E-A947-70E740481C1C}">
+                  <a14:useLocalDpi xmlns:a14="http://schemas.microsoft.com/office/drawing/2010/main" val="0"/>
+                </a:ext>
+              </a:extLst>
+            </a:blip>
+            <a:srcRect/>
+            <a:stretch>
+              <a:fillRect/>
+            </a:stretch>
+          </p:blipFill>
+          <p:spPr bwMode="auto">
+            <a:xfrm>
+              <a:off x="1299824" y="3839793"/>
+              <a:ext cx="880565" cy="880544"/>
+            </a:xfrm>
+            <a:prstGeom prst="rect">
+              <a:avLst/>
+            </a:prstGeom>
+            <a:noFill/>
+            <a:extLst>
+              <a:ext uri="{909E8E84-426E-40DD-AFC4-6F175D3DCCD1}">
+                <a14:hiddenFill xmlns:a14="http://schemas.microsoft.com/office/drawing/2010/main">
+                  <a:solidFill>
+                    <a:srgbClr val="FFFFFF"/>
+                  </a:solidFill>
+                </a14:hiddenFill>
+              </a:ext>
+            </a:extLst>
+          </p:spPr>
+        </p:pic>
+        <p:sp>
+          <p:nvSpPr>
+            <p:cNvPr id="7" name="TextBox 6">
+              <a:extLst>
+                <a:ext uri="{FF2B5EF4-FFF2-40B4-BE49-F238E27FC236}">
+                  <a16:creationId xmlns:a16="http://schemas.microsoft.com/office/drawing/2014/main" id="{585CDBED-AFD3-07BC-5354-F9DE4E724B05}"/>
+                </a:ext>
+              </a:extLst>
+            </p:cNvPr>
+            <p:cNvSpPr txBox="1"/>
+            <p:nvPr/>
+          </p:nvSpPr>
+          <p:spPr>
+            <a:xfrm>
+              <a:off x="873301" y="4815482"/>
+              <a:ext cx="1725665" cy="307776"/>
+            </a:xfrm>
+            <a:prstGeom prst="rect">
+              <a:avLst/>
+            </a:prstGeom>
+            <a:noFill/>
+          </p:spPr>
+          <p:txBody>
+            <a:bodyPr wrap="none" rtlCol="0">
+              <a:spAutoFit/>
+            </a:bodyPr>
+            <a:lstStyle/>
+            <a:p>
+              <a:r>
+                <a:rPr lang="en-SG" sz="1400" b="1" dirty="0">
+                  <a:latin typeface="Segoe UI" panose="020B0502040204020203" pitchFamily="34" charset="0"/>
+                  <a:cs typeface="Segoe UI" panose="020B0502040204020203" pitchFamily="34" charset="0"/>
+                </a:rPr>
+                <a:t>Alpaca Websocket</a:t>
+              </a:r>
+            </a:p>
+          </p:txBody>
+        </p:sp>
+      </p:grpSp>
+      <p:grpSp>
+        <p:nvGrpSpPr>
+          <p:cNvPr id="10" name="Group 9">
+            <a:extLst>
+              <a:ext uri="{FF2B5EF4-FFF2-40B4-BE49-F238E27FC236}">
+                <a16:creationId xmlns:a16="http://schemas.microsoft.com/office/drawing/2014/main" id="{B6077410-64F4-A8F0-F5E7-4F53FC171937}"/>
+              </a:ext>
+            </a:extLst>
+          </p:cNvPr>
+          <p:cNvGrpSpPr/>
+          <p:nvPr/>
+        </p:nvGrpSpPr>
+        <p:grpSpPr>
+          <a:xfrm>
+            <a:off x="4252265" y="2665969"/>
+            <a:ext cx="1164101" cy="1224649"/>
+            <a:chOff x="4470031" y="2427730"/>
+            <a:chExt cx="1164101" cy="1224649"/>
+          </a:xfrm>
+        </p:grpSpPr>
+        <p:pic>
+          <p:nvPicPr>
+            <p:cNvPr id="1028" name="Picture 4" descr="openai&quot; Icon - Download for free – Iconduck">
+              <a:extLst>
+                <a:ext uri="{FF2B5EF4-FFF2-40B4-BE49-F238E27FC236}">
+                  <a16:creationId xmlns:a16="http://schemas.microsoft.com/office/drawing/2014/main" id="{52D37C39-7330-62B4-8C25-367C979EB37E}"/>
+                </a:ext>
+              </a:extLst>
+            </p:cNvPr>
+            <p:cNvPicPr>
+              <a:picLocks noChangeAspect="1" noChangeArrowheads="1"/>
+            </p:cNvPicPr>
+            <p:nvPr/>
+          </p:nvPicPr>
+          <p:blipFill>
+            <a:blip r:embed="rId4">
+              <a:extLst>
+                <a:ext uri="{28A0092B-C50C-407E-A947-70E740481C1C}">
+                  <a14:useLocalDpi xmlns:a14="http://schemas.microsoft.com/office/drawing/2010/main" val="0"/>
+                </a:ext>
+              </a:extLst>
+            </a:blip>
+            <a:srcRect/>
+            <a:stretch>
+              <a:fillRect/>
+            </a:stretch>
+          </p:blipFill>
+          <p:spPr bwMode="auto">
+            <a:xfrm>
+              <a:off x="4548552" y="2427730"/>
+              <a:ext cx="880565" cy="892339"/>
+            </a:xfrm>
+            <a:prstGeom prst="rect">
+              <a:avLst/>
+            </a:prstGeom>
+            <a:noFill/>
+            <a:extLst>
+              <a:ext uri="{909E8E84-426E-40DD-AFC4-6F175D3DCCD1}">
+                <a14:hiddenFill xmlns:a14="http://schemas.microsoft.com/office/drawing/2010/main">
+                  <a:solidFill>
+                    <a:srgbClr val="FFFFFF"/>
+                  </a:solidFill>
+                </a14:hiddenFill>
+              </a:ext>
+            </a:extLst>
+          </p:spPr>
+        </p:pic>
+        <p:sp>
+          <p:nvSpPr>
+            <p:cNvPr id="9" name="TextBox 8">
+              <a:extLst>
+                <a:ext uri="{FF2B5EF4-FFF2-40B4-BE49-F238E27FC236}">
+                  <a16:creationId xmlns:a16="http://schemas.microsoft.com/office/drawing/2014/main" id="{7F624F15-73C2-5834-2874-D484A2FE419F}"/>
+                </a:ext>
+              </a:extLst>
+            </p:cNvPr>
+            <p:cNvSpPr txBox="1"/>
+            <p:nvPr/>
+          </p:nvSpPr>
+          <p:spPr>
+            <a:xfrm>
+              <a:off x="4470031" y="3344602"/>
+              <a:ext cx="1164101" cy="307777"/>
+            </a:xfrm>
+            <a:prstGeom prst="rect">
+              <a:avLst/>
+            </a:prstGeom>
+            <a:noFill/>
+          </p:spPr>
+          <p:txBody>
+            <a:bodyPr wrap="none" rtlCol="0">
+              <a:spAutoFit/>
+            </a:bodyPr>
+            <a:lstStyle/>
+            <a:p>
+              <a:r>
+                <a:rPr lang="en-SG" sz="1400" b="1" dirty="0">
+                  <a:latin typeface="Segoe UI" panose="020B0502040204020203" pitchFamily="34" charset="0"/>
+                  <a:cs typeface="Segoe UI" panose="020B0502040204020203" pitchFamily="34" charset="0"/>
+                </a:rPr>
+                <a:t>OpenAI API</a:t>
+              </a:r>
+            </a:p>
+          </p:txBody>
+        </p:sp>
+      </p:grpSp>
+      <p:cxnSp>
+        <p:nvCxnSpPr>
+          <p:cNvPr id="30" name="Straight Arrow Connector 29">
+            <a:extLst>
+              <a:ext uri="{FF2B5EF4-FFF2-40B4-BE49-F238E27FC236}">
+                <a16:creationId xmlns:a16="http://schemas.microsoft.com/office/drawing/2014/main" id="{9542FBB0-F97F-5DC1-F61A-16C08E2A1AA7}"/>
+              </a:ext>
+            </a:extLst>
+          </p:cNvPr>
+          <p:cNvCxnSpPr>
+            <a:cxnSpLocks/>
+          </p:cNvCxnSpPr>
+          <p:nvPr/>
+        </p:nvCxnSpPr>
+        <p:spPr>
+          <a:xfrm>
+            <a:off x="8885733" y="4521212"/>
+            <a:ext cx="1055436" cy="0"/>
+          </a:xfrm>
+          <a:prstGeom prst="straightConnector1">
+            <a:avLst/>
+          </a:prstGeom>
+          <a:ln w="28575">
+            <a:tailEnd type="triangle"/>
+          </a:ln>
+        </p:spPr>
+        <p:style>
+          <a:lnRef idx="1">
+            <a:schemeClr val="accent1"/>
+          </a:lnRef>
+          <a:fillRef idx="0">
+            <a:schemeClr val="accent1"/>
+          </a:fillRef>
+          <a:effectRef idx="0">
+            <a:schemeClr val="accent1"/>
+          </a:effectRef>
+          <a:fontRef idx="minor">
+            <a:schemeClr val="tx1"/>
+          </a:fontRef>
+        </p:style>
+      </p:cxnSp>
+      <p:sp>
+        <p:nvSpPr>
+          <p:cNvPr id="31" name="TextBox 30">
+            <a:extLst>
+              <a:ext uri="{FF2B5EF4-FFF2-40B4-BE49-F238E27FC236}">
+                <a16:creationId xmlns:a16="http://schemas.microsoft.com/office/drawing/2014/main" id="{14DFC13C-D16F-0D4E-1A8C-3FD05E3BCDBE}"/>
+              </a:ext>
+            </a:extLst>
+          </p:cNvPr>
+          <p:cNvSpPr txBox="1"/>
+          <p:nvPr/>
+        </p:nvSpPr>
+        <p:spPr>
+          <a:xfrm>
+            <a:off x="8979517" y="4011358"/>
+            <a:ext cx="880565" cy="523220"/>
+          </a:xfrm>
+          <a:prstGeom prst="rect">
+            <a:avLst/>
+          </a:prstGeom>
+          <a:noFill/>
+        </p:spPr>
+        <p:txBody>
+          <a:bodyPr wrap="square" rtlCol="0">
+            <a:spAutoFit/>
+          </a:bodyPr>
+          <a:lstStyle/>
+          <a:p>
+            <a:pPr algn="ctr"/>
+            <a:r>
+              <a:rPr lang="en-SG" sz="1400" i="1" dirty="0">
+                <a:latin typeface="Segoe UI" panose="020B0502040204020203" pitchFamily="34" charset="0"/>
+                <a:cs typeface="Segoe UI" panose="020B0502040204020203" pitchFamily="34" charset="0"/>
+              </a:rPr>
+              <a:t>Trade decision</a:t>
+            </a:r>
+          </a:p>
+        </p:txBody>
+      </p:sp>
+      <p:grpSp>
+        <p:nvGrpSpPr>
+          <p:cNvPr id="33" name="Group 32">
+            <a:extLst>
+              <a:ext uri="{FF2B5EF4-FFF2-40B4-BE49-F238E27FC236}">
+                <a16:creationId xmlns:a16="http://schemas.microsoft.com/office/drawing/2014/main" id="{D4D487A4-1AD6-2DAD-5714-82B4B29A7699}"/>
+              </a:ext>
+            </a:extLst>
+          </p:cNvPr>
+          <p:cNvGrpSpPr/>
+          <p:nvPr/>
+        </p:nvGrpSpPr>
+        <p:grpSpPr>
+          <a:xfrm>
+            <a:off x="10035941" y="4025372"/>
+            <a:ext cx="1093441" cy="1256999"/>
+            <a:chOff x="1516499" y="2439504"/>
+            <a:chExt cx="1093441" cy="1256999"/>
+          </a:xfrm>
+        </p:grpSpPr>
+        <p:pic>
+          <p:nvPicPr>
+            <p:cNvPr id="34" name="Picture 2" descr="Alpaca · GitHub">
+              <a:extLst>
+                <a:ext uri="{FF2B5EF4-FFF2-40B4-BE49-F238E27FC236}">
+                  <a16:creationId xmlns:a16="http://schemas.microsoft.com/office/drawing/2014/main" id="{1FCCC89A-E619-9301-C07D-A69F739A82A4}"/>
+                </a:ext>
+              </a:extLst>
+            </p:cNvPr>
+            <p:cNvPicPr>
+              <a:picLocks noChangeAspect="1" noChangeArrowheads="1"/>
+            </p:cNvPicPr>
+            <p:nvPr/>
+          </p:nvPicPr>
+          <p:blipFill>
+            <a:blip r:embed="rId3">
+              <a:extLst>
+                <a:ext uri="{28A0092B-C50C-407E-A947-70E740481C1C}">
+                  <a14:useLocalDpi xmlns:a14="http://schemas.microsoft.com/office/drawing/2010/main" val="0"/>
+                </a:ext>
+              </a:extLst>
+            </a:blip>
+            <a:srcRect/>
+            <a:stretch>
+              <a:fillRect/>
+            </a:stretch>
+          </p:blipFill>
+          <p:spPr bwMode="auto">
+            <a:xfrm>
+              <a:off x="1622938" y="2439504"/>
+              <a:ext cx="880565" cy="880565"/>
+            </a:xfrm>
+            <a:prstGeom prst="rect">
+              <a:avLst/>
+            </a:prstGeom>
+            <a:noFill/>
+            <a:extLst>
+              <a:ext uri="{909E8E84-426E-40DD-AFC4-6F175D3DCCD1}">
+                <a14:hiddenFill xmlns:a14="http://schemas.microsoft.com/office/drawing/2010/main">
+                  <a:solidFill>
+                    <a:srgbClr val="FFFFFF"/>
+                  </a:solidFill>
+                </a14:hiddenFill>
+              </a:ext>
+            </a:extLst>
+          </p:spPr>
+        </p:pic>
+        <p:sp>
+          <p:nvSpPr>
+            <p:cNvPr id="35" name="TextBox 34">
+              <a:extLst>
+                <a:ext uri="{FF2B5EF4-FFF2-40B4-BE49-F238E27FC236}">
+                  <a16:creationId xmlns:a16="http://schemas.microsoft.com/office/drawing/2014/main" id="{B7D3CBCA-F484-6659-B8BF-7378F6FAA825}"/>
+                </a:ext>
+              </a:extLst>
+            </p:cNvPr>
+            <p:cNvSpPr txBox="1"/>
+            <p:nvPr/>
+          </p:nvSpPr>
+          <p:spPr>
+            <a:xfrm>
+              <a:off x="1516499" y="3388726"/>
+              <a:ext cx="1093441" cy="307777"/>
+            </a:xfrm>
+            <a:prstGeom prst="rect">
+              <a:avLst/>
+            </a:prstGeom>
+            <a:noFill/>
+          </p:spPr>
+          <p:txBody>
+            <a:bodyPr wrap="none" rtlCol="0">
+              <a:spAutoFit/>
+            </a:bodyPr>
+            <a:lstStyle/>
+            <a:p>
+              <a:r>
+                <a:rPr lang="en-SG" sz="1400" b="1" dirty="0">
+                  <a:latin typeface="Segoe UI" panose="020B0502040204020203" pitchFamily="34" charset="0"/>
+                  <a:cs typeface="Segoe UI" panose="020B0502040204020203" pitchFamily="34" charset="0"/>
+                </a:rPr>
+                <a:t>Alpaca API</a:t>
+              </a:r>
+            </a:p>
+          </p:txBody>
+        </p:sp>
+      </p:grpSp>
+      <p:sp>
+        <p:nvSpPr>
+          <p:cNvPr id="50" name="TextBox 49">
+            <a:extLst>
+              <a:ext uri="{FF2B5EF4-FFF2-40B4-BE49-F238E27FC236}">
+                <a16:creationId xmlns:a16="http://schemas.microsoft.com/office/drawing/2014/main" id="{8941D541-33E7-D5C5-C0F7-A0759653B481}"/>
+              </a:ext>
+            </a:extLst>
+          </p:cNvPr>
+          <p:cNvSpPr txBox="1"/>
+          <p:nvPr/>
+        </p:nvSpPr>
+        <p:spPr>
+          <a:xfrm>
+            <a:off x="1297863" y="7373441"/>
+            <a:ext cx="1465048" cy="523220"/>
+          </a:xfrm>
+          <a:prstGeom prst="rect">
+            <a:avLst/>
+          </a:prstGeom>
+          <a:noFill/>
+        </p:spPr>
+        <p:txBody>
+          <a:bodyPr wrap="square" rtlCol="0">
+            <a:spAutoFit/>
+          </a:bodyPr>
+          <a:lstStyle/>
+          <a:p>
+            <a:pPr algn="ctr"/>
+            <a:r>
+              <a:rPr lang="en-SG" sz="1400" i="1" dirty="0">
+                <a:latin typeface="Segoe UI" panose="020B0502040204020203" pitchFamily="34" charset="0"/>
+                <a:cs typeface="Segoe UI" panose="020B0502040204020203" pitchFamily="34" charset="0"/>
+              </a:rPr>
+              <a:t>Headline &amp; other metadata</a:t>
+            </a:r>
+          </a:p>
+        </p:txBody>
+      </p:sp>
+      <p:grpSp>
+        <p:nvGrpSpPr>
+          <p:cNvPr id="15" name="Group 14">
+            <a:extLst>
+              <a:ext uri="{FF2B5EF4-FFF2-40B4-BE49-F238E27FC236}">
+                <a16:creationId xmlns:a16="http://schemas.microsoft.com/office/drawing/2014/main" id="{4279554C-8FE3-20B3-1C5B-8081FEDC2684}"/>
+              </a:ext>
+            </a:extLst>
+          </p:cNvPr>
+          <p:cNvGrpSpPr/>
+          <p:nvPr/>
+        </p:nvGrpSpPr>
+        <p:grpSpPr>
+          <a:xfrm>
+            <a:off x="3787059" y="5284674"/>
+            <a:ext cx="1992148" cy="1322328"/>
+            <a:chOff x="1145700" y="3548779"/>
+            <a:chExt cx="1992148" cy="1322328"/>
+          </a:xfrm>
+        </p:grpSpPr>
+        <p:pic>
+          <p:nvPicPr>
+            <p:cNvPr id="3" name="Picture 2" descr="Candlestick-Chart Icons - Free SVG &amp; PNG Candlestick-Chart Images - Noun  Project">
+              <a:extLst>
+                <a:ext uri="{FF2B5EF4-FFF2-40B4-BE49-F238E27FC236}">
+                  <a16:creationId xmlns:a16="http://schemas.microsoft.com/office/drawing/2014/main" id="{2EF482F1-D94F-AFB6-6F3C-AD5F5CE99342}"/>
+                </a:ext>
+              </a:extLst>
+            </p:cNvPr>
+            <p:cNvPicPr>
+              <a:picLocks noChangeAspect="1" noChangeArrowheads="1"/>
+            </p:cNvPicPr>
+            <p:nvPr/>
+          </p:nvPicPr>
+          <p:blipFill>
+            <a:blip r:embed="rId5">
+              <a:extLst>
+                <a:ext uri="{28A0092B-C50C-407E-A947-70E740481C1C}">
+                  <a14:useLocalDpi xmlns:a14="http://schemas.microsoft.com/office/drawing/2010/main" val="0"/>
+                </a:ext>
+              </a:extLst>
+            </a:blip>
+            <a:srcRect/>
+            <a:stretch>
+              <a:fillRect/>
+            </a:stretch>
+          </p:blipFill>
+          <p:spPr bwMode="auto">
+            <a:xfrm>
+              <a:off x="1587385" y="3548779"/>
+              <a:ext cx="1108778" cy="1108778"/>
+            </a:xfrm>
+            <a:prstGeom prst="rect">
+              <a:avLst/>
+            </a:prstGeom>
+            <a:noFill/>
+            <a:extLst>
+              <a:ext uri="{909E8E84-426E-40DD-AFC4-6F175D3DCCD1}">
+                <a14:hiddenFill xmlns:a14="http://schemas.microsoft.com/office/drawing/2010/main">
+                  <a:solidFill>
+                    <a:srgbClr val="FFFFFF"/>
+                  </a:solidFill>
+                </a14:hiddenFill>
+              </a:ext>
+            </a:extLst>
+          </p:spPr>
+        </p:pic>
+        <p:sp>
+          <p:nvSpPr>
+            <p:cNvPr id="5" name="TextBox 4">
+              <a:extLst>
+                <a:ext uri="{FF2B5EF4-FFF2-40B4-BE49-F238E27FC236}">
+                  <a16:creationId xmlns:a16="http://schemas.microsoft.com/office/drawing/2014/main" id="{A8C0359A-F946-F0C0-35B3-390E558C0378}"/>
+                </a:ext>
+              </a:extLst>
+            </p:cNvPr>
+            <p:cNvSpPr txBox="1"/>
+            <p:nvPr/>
+          </p:nvSpPr>
+          <p:spPr>
+            <a:xfrm>
+              <a:off x="1145700" y="4563330"/>
+              <a:ext cx="1992148" cy="307777"/>
+            </a:xfrm>
+            <a:prstGeom prst="rect">
+              <a:avLst/>
+            </a:prstGeom>
+            <a:noFill/>
+          </p:spPr>
+          <p:txBody>
+            <a:bodyPr wrap="none" rtlCol="0">
+              <a:spAutoFit/>
+            </a:bodyPr>
+            <a:lstStyle/>
+            <a:p>
+              <a:r>
+                <a:rPr lang="en-SG" sz="1400" b="1" dirty="0">
+                  <a:latin typeface="Segoe UI" panose="020B0502040204020203" pitchFamily="34" charset="0"/>
+                  <a:cs typeface="Segoe UI" panose="020B0502040204020203" pitchFamily="34" charset="0"/>
+                </a:rPr>
+                <a:t>Momentum Indicator</a:t>
+              </a:r>
+            </a:p>
+          </p:txBody>
+        </p:sp>
+      </p:grpSp>
+      <p:sp>
+        <p:nvSpPr>
+          <p:cNvPr id="19" name="Rectangle 18">
+            <a:extLst>
+              <a:ext uri="{FF2B5EF4-FFF2-40B4-BE49-F238E27FC236}">
+                <a16:creationId xmlns:a16="http://schemas.microsoft.com/office/drawing/2014/main" id="{B41C66A9-31F2-9C1C-7B1B-31E0448EBCFB}"/>
+              </a:ext>
+            </a:extLst>
+          </p:cNvPr>
+          <p:cNvSpPr/>
+          <p:nvPr/>
+        </p:nvSpPr>
+        <p:spPr>
+          <a:xfrm>
+            <a:off x="7561265" y="3945758"/>
+            <a:ext cx="1156086" cy="1108778"/>
+          </a:xfrm>
+          <a:prstGeom prst="rect">
+            <a:avLst/>
+          </a:prstGeom>
+          <a:noFill/>
+          <a:ln w="28575">
+            <a:solidFill>
+              <a:schemeClr val="accent5">
+                <a:lumMod val="75000"/>
+              </a:schemeClr>
+            </a:solidFill>
+          </a:ln>
+        </p:spPr>
+        <p:style>
+          <a:lnRef idx="2">
+            <a:schemeClr val="accent1">
+              <a:shade val="15000"/>
+            </a:schemeClr>
+          </a:lnRef>
+          <a:fillRef idx="1">
+            <a:schemeClr val="accent1"/>
+          </a:fillRef>
+          <a:effectRef idx="0">
+            <a:schemeClr val="accent1"/>
+          </a:effectRef>
+          <a:fontRef idx="minor">
+            <a:schemeClr val="lt1"/>
+          </a:fontRef>
+        </p:style>
+        <p:txBody>
+          <a:bodyPr rtlCol="0" anchor="ctr"/>
+          <a:lstStyle/>
+          <a:p>
+            <a:pPr algn="ctr"/>
+            <a:r>
+              <a:rPr lang="en-SG" sz="1400" b="1" dirty="0">
+                <a:solidFill>
+                  <a:schemeClr val="tx1"/>
+                </a:solidFill>
+                <a:latin typeface="Segoe UI" panose="020B0502040204020203" pitchFamily="34" charset="0"/>
+                <a:cs typeface="Segoe UI" panose="020B0502040204020203" pitchFamily="34" charset="0"/>
+              </a:rPr>
+              <a:t>Overall score</a:t>
+            </a:r>
+          </a:p>
+        </p:txBody>
+      </p:sp>
+      <p:cxnSp>
+        <p:nvCxnSpPr>
+          <p:cNvPr id="18" name="Straight Arrow Connector 17">
+            <a:extLst>
+              <a:ext uri="{FF2B5EF4-FFF2-40B4-BE49-F238E27FC236}">
+                <a16:creationId xmlns:a16="http://schemas.microsoft.com/office/drawing/2014/main" id="{A9950D2C-89BB-89BD-A525-F52513DF6648}"/>
+              </a:ext>
+            </a:extLst>
+          </p:cNvPr>
+          <p:cNvCxnSpPr>
+            <a:cxnSpLocks/>
+          </p:cNvCxnSpPr>
+          <p:nvPr/>
+        </p:nvCxnSpPr>
+        <p:spPr>
+          <a:xfrm>
+            <a:off x="5416062" y="3186487"/>
+            <a:ext cx="1680320" cy="0"/>
+          </a:xfrm>
+          <a:prstGeom prst="straightConnector1">
+            <a:avLst/>
+          </a:prstGeom>
+          <a:ln w="28575">
+            <a:headEnd type="none" w="med" len="med"/>
+            <a:tailEnd type="none" w="med" len="med"/>
+          </a:ln>
+        </p:spPr>
+        <p:style>
+          <a:lnRef idx="1">
+            <a:schemeClr val="accent1"/>
+          </a:lnRef>
+          <a:fillRef idx="0">
+            <a:schemeClr val="accent1"/>
+          </a:fillRef>
+          <a:effectRef idx="0">
+            <a:schemeClr val="accent1"/>
+          </a:effectRef>
+          <a:fontRef idx="minor">
+            <a:schemeClr val="tx1"/>
+          </a:fontRef>
+        </p:style>
+      </p:cxnSp>
+      <p:sp>
+        <p:nvSpPr>
+          <p:cNvPr id="23" name="TextBox 22">
+            <a:extLst>
+              <a:ext uri="{FF2B5EF4-FFF2-40B4-BE49-F238E27FC236}">
+                <a16:creationId xmlns:a16="http://schemas.microsoft.com/office/drawing/2014/main" id="{BBAE6E91-9322-83B4-6290-BF8326C0938D}"/>
+              </a:ext>
+            </a:extLst>
+          </p:cNvPr>
+          <p:cNvSpPr txBox="1"/>
+          <p:nvPr/>
+        </p:nvSpPr>
+        <p:spPr>
+          <a:xfrm>
+            <a:off x="5866640" y="2878836"/>
+            <a:ext cx="1156086" cy="307777"/>
+          </a:xfrm>
+          <a:prstGeom prst="rect">
+            <a:avLst/>
+          </a:prstGeom>
+          <a:noFill/>
+        </p:spPr>
+        <p:txBody>
+          <a:bodyPr wrap="square" rtlCol="0">
+            <a:spAutoFit/>
+          </a:bodyPr>
+          <a:lstStyle/>
+          <a:p>
+            <a:r>
+              <a:rPr lang="en-SG" sz="1400" i="1" dirty="0">
+                <a:latin typeface="Segoe UI" panose="020B0502040204020203" pitchFamily="34" charset="0"/>
+                <a:cs typeface="Segoe UI" panose="020B0502040204020203" pitchFamily="34" charset="0"/>
+              </a:rPr>
+              <a:t>Impact score</a:t>
+            </a:r>
+          </a:p>
+        </p:txBody>
+      </p:sp>
+      <p:cxnSp>
+        <p:nvCxnSpPr>
+          <p:cNvPr id="22" name="Straight Arrow Connector 21">
+            <a:extLst>
+              <a:ext uri="{FF2B5EF4-FFF2-40B4-BE49-F238E27FC236}">
+                <a16:creationId xmlns:a16="http://schemas.microsoft.com/office/drawing/2014/main" id="{CF876465-6245-5BAD-D98E-6885F59753E6}"/>
+              </a:ext>
+            </a:extLst>
+          </p:cNvPr>
+          <p:cNvCxnSpPr>
+            <a:cxnSpLocks/>
+          </p:cNvCxnSpPr>
+          <p:nvPr/>
+        </p:nvCxnSpPr>
+        <p:spPr>
+          <a:xfrm>
+            <a:off x="5416062" y="5904108"/>
+            <a:ext cx="1668892" cy="0"/>
+          </a:xfrm>
+          <a:prstGeom prst="straightConnector1">
+            <a:avLst/>
+          </a:prstGeom>
+          <a:ln w="28575">
+            <a:headEnd type="none" w="med" len="med"/>
+            <a:tailEnd type="none" w="med" len="med"/>
+          </a:ln>
+        </p:spPr>
+        <p:style>
+          <a:lnRef idx="1">
+            <a:schemeClr val="accent1"/>
+          </a:lnRef>
+          <a:fillRef idx="0">
+            <a:schemeClr val="accent1"/>
+          </a:fillRef>
+          <a:effectRef idx="0">
+            <a:schemeClr val="accent1"/>
+          </a:effectRef>
+          <a:fontRef idx="minor">
+            <a:schemeClr val="tx1"/>
+          </a:fontRef>
+        </p:style>
+      </p:cxnSp>
+      <p:sp>
+        <p:nvSpPr>
+          <p:cNvPr id="25" name="TextBox 24">
+            <a:extLst>
+              <a:ext uri="{FF2B5EF4-FFF2-40B4-BE49-F238E27FC236}">
+                <a16:creationId xmlns:a16="http://schemas.microsoft.com/office/drawing/2014/main" id="{9E2655A9-00E4-443C-2432-B97AE8F1698A}"/>
+              </a:ext>
+            </a:extLst>
+          </p:cNvPr>
+          <p:cNvSpPr txBox="1"/>
+          <p:nvPr/>
+        </p:nvSpPr>
+        <p:spPr>
+          <a:xfrm>
+            <a:off x="5506416" y="5579973"/>
+            <a:ext cx="1518311" cy="307777"/>
+          </a:xfrm>
+          <a:prstGeom prst="rect">
+            <a:avLst/>
+          </a:prstGeom>
+          <a:noFill/>
+        </p:spPr>
+        <p:txBody>
+          <a:bodyPr wrap="square" rtlCol="0">
+            <a:spAutoFit/>
+          </a:bodyPr>
+          <a:lstStyle/>
+          <a:p>
+            <a:r>
+              <a:rPr lang="en-SG" sz="1400" i="1" dirty="0">
+                <a:latin typeface="Segoe UI" panose="020B0502040204020203" pitchFamily="34" charset="0"/>
+                <a:cs typeface="Segoe UI" panose="020B0502040204020203" pitchFamily="34" charset="0"/>
+              </a:rPr>
+              <a:t>Momentum score</a:t>
+            </a:r>
+          </a:p>
+        </p:txBody>
+      </p:sp>
+      <p:cxnSp>
+        <p:nvCxnSpPr>
+          <p:cNvPr id="38" name="Straight Arrow Connector 37">
+            <a:extLst>
+              <a:ext uri="{FF2B5EF4-FFF2-40B4-BE49-F238E27FC236}">
+                <a16:creationId xmlns:a16="http://schemas.microsoft.com/office/drawing/2014/main" id="{56DEC9B9-CF3C-3B1E-9693-9D767259F55A}"/>
+              </a:ext>
+            </a:extLst>
+          </p:cNvPr>
+          <p:cNvCxnSpPr>
+            <a:cxnSpLocks/>
+          </p:cNvCxnSpPr>
+          <p:nvPr/>
+        </p:nvCxnSpPr>
+        <p:spPr>
+          <a:xfrm>
+            <a:off x="5416062" y="4500147"/>
+            <a:ext cx="1885343" cy="0"/>
+          </a:xfrm>
+          <a:prstGeom prst="straightConnector1">
+            <a:avLst/>
+          </a:prstGeom>
+          <a:ln w="28575">
+            <a:headEnd type="none" w="med" len="med"/>
+            <a:tailEnd type="none" w="med" len="med"/>
+          </a:ln>
+        </p:spPr>
+        <p:style>
+          <a:lnRef idx="1">
+            <a:schemeClr val="accent1"/>
+          </a:lnRef>
+          <a:fillRef idx="0">
+            <a:schemeClr val="accent1"/>
+          </a:fillRef>
+          <a:effectRef idx="0">
+            <a:schemeClr val="accent1"/>
+          </a:effectRef>
+          <a:fontRef idx="minor">
+            <a:schemeClr val="tx1"/>
+          </a:fontRef>
+        </p:style>
+      </p:cxnSp>
+      <p:sp>
+        <p:nvSpPr>
+          <p:cNvPr id="39" name="TextBox 38">
+            <a:extLst>
+              <a:ext uri="{FF2B5EF4-FFF2-40B4-BE49-F238E27FC236}">
+                <a16:creationId xmlns:a16="http://schemas.microsoft.com/office/drawing/2014/main" id="{F5B2EE2C-19E7-1FE1-05A8-F793FC8ECEC5}"/>
+              </a:ext>
+            </a:extLst>
+          </p:cNvPr>
+          <p:cNvSpPr txBox="1"/>
+          <p:nvPr/>
+        </p:nvSpPr>
+        <p:spPr>
+          <a:xfrm>
+            <a:off x="5617852" y="4192370"/>
+            <a:ext cx="1518311" cy="307777"/>
+          </a:xfrm>
+          <a:prstGeom prst="rect">
+            <a:avLst/>
+          </a:prstGeom>
+          <a:noFill/>
+        </p:spPr>
+        <p:txBody>
+          <a:bodyPr wrap="square" rtlCol="0">
+            <a:spAutoFit/>
+          </a:bodyPr>
+          <a:lstStyle/>
+          <a:p>
+            <a:r>
+              <a:rPr lang="en-SG" sz="1400" i="1" dirty="0">
+                <a:latin typeface="Segoe UI" panose="020B0502040204020203" pitchFamily="34" charset="0"/>
+                <a:cs typeface="Segoe UI" panose="020B0502040204020203" pitchFamily="34" charset="0"/>
+              </a:rPr>
+              <a:t>Sentiment score</a:t>
+            </a:r>
+          </a:p>
+        </p:txBody>
+      </p:sp>
+      <p:grpSp>
+        <p:nvGrpSpPr>
+          <p:cNvPr id="41" name="Group 40">
+            <a:extLst>
+              <a:ext uri="{FF2B5EF4-FFF2-40B4-BE49-F238E27FC236}">
+                <a16:creationId xmlns:a16="http://schemas.microsoft.com/office/drawing/2014/main" id="{87C1C1A6-DF08-8FD2-BDD4-7FDE825E69E4}"/>
+              </a:ext>
+            </a:extLst>
+          </p:cNvPr>
+          <p:cNvGrpSpPr/>
+          <p:nvPr/>
+        </p:nvGrpSpPr>
+        <p:grpSpPr>
+          <a:xfrm>
+            <a:off x="3673726" y="4072222"/>
+            <a:ext cx="2409634" cy="1019424"/>
+            <a:chOff x="1226851" y="7118655"/>
+            <a:chExt cx="2409634" cy="1019424"/>
+          </a:xfrm>
+        </p:grpSpPr>
+        <p:sp>
+          <p:nvSpPr>
+            <p:cNvPr id="37" name="TextBox 36">
+              <a:extLst>
+                <a:ext uri="{FF2B5EF4-FFF2-40B4-BE49-F238E27FC236}">
+                  <a16:creationId xmlns:a16="http://schemas.microsoft.com/office/drawing/2014/main" id="{10FA7957-48E2-FF3F-ECE2-15EFF376630B}"/>
+                </a:ext>
+              </a:extLst>
+            </p:cNvPr>
+            <p:cNvSpPr txBox="1"/>
+            <p:nvPr/>
+          </p:nvSpPr>
+          <p:spPr>
+            <a:xfrm>
+              <a:off x="1226851" y="7830302"/>
+              <a:ext cx="2409634" cy="307777"/>
+            </a:xfrm>
+            <a:prstGeom prst="rect">
+              <a:avLst/>
+            </a:prstGeom>
+            <a:noFill/>
+          </p:spPr>
+          <p:txBody>
+            <a:bodyPr wrap="none" rtlCol="0">
+              <a:spAutoFit/>
+            </a:bodyPr>
+            <a:lstStyle/>
+            <a:p>
+              <a:r>
+                <a:rPr lang="en-SG" sz="1400" b="1" dirty="0">
+                  <a:latin typeface="Segoe UI" panose="020B0502040204020203" pitchFamily="34" charset="0"/>
+                  <a:cs typeface="Segoe UI" panose="020B0502040204020203" pitchFamily="34" charset="0"/>
+                </a:rPr>
+                <a:t>Other Sentiment Analysis</a:t>
+              </a:r>
+            </a:p>
+          </p:txBody>
+        </p:sp>
+        <p:pic>
+          <p:nvPicPr>
+            <p:cNvPr id="40" name="Picture 4" descr="Sentiment Icons - Free SVG &amp; PNG Sentiment Images - Noun Project">
+              <a:extLst>
+                <a:ext uri="{FF2B5EF4-FFF2-40B4-BE49-F238E27FC236}">
+                  <a16:creationId xmlns:a16="http://schemas.microsoft.com/office/drawing/2014/main" id="{5447B617-40DD-0E5A-E394-23EFDAB98653}"/>
+                </a:ext>
+              </a:extLst>
+            </p:cNvPr>
+            <p:cNvPicPr>
+              <a:picLocks noChangeAspect="1" noChangeArrowheads="1"/>
+            </p:cNvPicPr>
+            <p:nvPr/>
+          </p:nvPicPr>
+          <p:blipFill>
+            <a:blip r:embed="rId6">
+              <a:extLst>
+                <a:ext uri="{28A0092B-C50C-407E-A947-70E740481C1C}">
+                  <a14:useLocalDpi xmlns:a14="http://schemas.microsoft.com/office/drawing/2010/main" val="0"/>
+                </a:ext>
+              </a:extLst>
+            </a:blip>
+            <a:srcRect/>
+            <a:stretch>
+              <a:fillRect/>
+            </a:stretch>
+          </p:blipFill>
+          <p:spPr bwMode="auto">
+            <a:xfrm>
+              <a:off x="1986509" y="7118655"/>
+              <a:ext cx="699499" cy="699499"/>
+            </a:xfrm>
+            <a:prstGeom prst="rect">
+              <a:avLst/>
+            </a:prstGeom>
+            <a:noFill/>
+            <a:extLst>
+              <a:ext uri="{909E8E84-426E-40DD-AFC4-6F175D3DCCD1}">
+                <a14:hiddenFill xmlns:a14="http://schemas.microsoft.com/office/drawing/2010/main">
+                  <a:solidFill>
+                    <a:srgbClr val="FFFFFF"/>
+                  </a:solidFill>
+                </a14:hiddenFill>
+              </a:ext>
+            </a:extLst>
+          </p:spPr>
+        </p:pic>
+      </p:grpSp>
+      <p:sp>
+        <p:nvSpPr>
+          <p:cNvPr id="54" name="Right Brace 53">
+            <a:extLst>
+              <a:ext uri="{FF2B5EF4-FFF2-40B4-BE49-F238E27FC236}">
+                <a16:creationId xmlns:a16="http://schemas.microsoft.com/office/drawing/2014/main" id="{FE385EA4-F91D-0730-D7D9-CAFDAF247D8B}"/>
+              </a:ext>
+            </a:extLst>
+          </p:cNvPr>
+          <p:cNvSpPr/>
+          <p:nvPr/>
+        </p:nvSpPr>
+        <p:spPr>
+          <a:xfrm>
+            <a:off x="7079132" y="3184957"/>
+            <a:ext cx="365092" cy="2718237"/>
+          </a:xfrm>
+          <a:prstGeom prst="rightBrace">
+            <a:avLst>
+              <a:gd name="adj1" fmla="val 8333"/>
+              <a:gd name="adj2" fmla="val 48494"/>
+            </a:avLst>
+          </a:prstGeom>
+          <a:ln w="28575"/>
+        </p:spPr>
+        <p:style>
+          <a:lnRef idx="1">
+            <a:schemeClr val="accent1"/>
+          </a:lnRef>
+          <a:fillRef idx="0">
+            <a:schemeClr val="accent1"/>
+          </a:fillRef>
+          <a:effectRef idx="0">
+            <a:schemeClr val="accent1"/>
+          </a:effectRef>
+          <a:fontRef idx="minor">
+            <a:schemeClr val="tx1"/>
+          </a:fontRef>
+        </p:style>
+        <p:txBody>
+          <a:bodyPr rtlCol="0" anchor="ctr"/>
+          <a:lstStyle/>
+          <a:p>
+            <a:pPr algn="ctr"/>
+            <a:endParaRPr lang="en-SG"/>
+          </a:p>
+        </p:txBody>
+      </p:sp>
+      <p:grpSp>
+        <p:nvGrpSpPr>
+          <p:cNvPr id="1031" name="Group 1030">
+            <a:extLst>
+              <a:ext uri="{FF2B5EF4-FFF2-40B4-BE49-F238E27FC236}">
+                <a16:creationId xmlns:a16="http://schemas.microsoft.com/office/drawing/2014/main" id="{384F5F0B-F6A9-226C-BE41-06C1ADA22522}"/>
+              </a:ext>
+            </a:extLst>
+          </p:cNvPr>
+          <p:cNvGrpSpPr/>
+          <p:nvPr/>
+        </p:nvGrpSpPr>
+        <p:grpSpPr>
+          <a:xfrm>
+            <a:off x="3872423" y="7206761"/>
+            <a:ext cx="1155766" cy="1019337"/>
+            <a:chOff x="5345508" y="4205530"/>
+            <a:chExt cx="1155766" cy="1019337"/>
+          </a:xfrm>
+        </p:grpSpPr>
+        <p:pic>
+          <p:nvPicPr>
+            <p:cNvPr id="1033" name="Picture 8" descr="PostgreSQL - Wikipedia">
+              <a:extLst>
+                <a:ext uri="{FF2B5EF4-FFF2-40B4-BE49-F238E27FC236}">
+                  <a16:creationId xmlns:a16="http://schemas.microsoft.com/office/drawing/2014/main" id="{65E445DA-4BC9-8303-A4C4-2C53959B5E66}"/>
+                </a:ext>
+              </a:extLst>
+            </p:cNvPr>
+            <p:cNvPicPr>
+              <a:picLocks noChangeAspect="1" noChangeArrowheads="1"/>
+            </p:cNvPicPr>
+            <p:nvPr/>
+          </p:nvPicPr>
+          <p:blipFill>
+            <a:blip r:embed="rId7">
+              <a:extLst>
+                <a:ext uri="{28A0092B-C50C-407E-A947-70E740481C1C}">
+                  <a14:useLocalDpi xmlns:a14="http://schemas.microsoft.com/office/drawing/2010/main" val="0"/>
+                </a:ext>
+              </a:extLst>
+            </a:blip>
+            <a:srcRect/>
+            <a:stretch>
+              <a:fillRect/>
+            </a:stretch>
+          </p:blipFill>
+          <p:spPr bwMode="auto">
+            <a:xfrm>
+              <a:off x="5552379" y="4205530"/>
+              <a:ext cx="652385" cy="673108"/>
+            </a:xfrm>
+            <a:prstGeom prst="rect">
+              <a:avLst/>
+            </a:prstGeom>
+            <a:noFill/>
+            <a:extLst>
+              <a:ext uri="{909E8E84-426E-40DD-AFC4-6F175D3DCCD1}">
+                <a14:hiddenFill xmlns:a14="http://schemas.microsoft.com/office/drawing/2010/main">
+                  <a:solidFill>
+                    <a:srgbClr val="FFFFFF"/>
+                  </a:solidFill>
+                </a14:hiddenFill>
+              </a:ext>
+            </a:extLst>
+          </p:spPr>
+        </p:pic>
+        <p:sp>
+          <p:nvSpPr>
+            <p:cNvPr id="1035" name="TextBox 1034">
+              <a:extLst>
+                <a:ext uri="{FF2B5EF4-FFF2-40B4-BE49-F238E27FC236}">
+                  <a16:creationId xmlns:a16="http://schemas.microsoft.com/office/drawing/2014/main" id="{74FD46E2-D42F-4231-1CD4-2F0D5861F7AE}"/>
+                </a:ext>
+              </a:extLst>
+            </p:cNvPr>
+            <p:cNvSpPr txBox="1"/>
+            <p:nvPr/>
+          </p:nvSpPr>
+          <p:spPr>
+            <a:xfrm>
+              <a:off x="5345508" y="4917090"/>
+              <a:ext cx="1155766" cy="307777"/>
+            </a:xfrm>
+            <a:prstGeom prst="rect">
+              <a:avLst/>
+            </a:prstGeom>
+            <a:noFill/>
+          </p:spPr>
+          <p:txBody>
+            <a:bodyPr wrap="none" rtlCol="0">
+              <a:spAutoFit/>
+            </a:bodyPr>
+            <a:lstStyle/>
+            <a:p>
+              <a:r>
+                <a:rPr lang="en-SG" sz="1400" b="1" dirty="0">
+                  <a:latin typeface="Segoe UI" panose="020B0502040204020203" pitchFamily="34" charset="0"/>
+                  <a:cs typeface="Segoe UI" panose="020B0502040204020203" pitchFamily="34" charset="0"/>
+                </a:rPr>
+                <a:t>PostgreSQL</a:t>
+              </a:r>
+            </a:p>
+          </p:txBody>
+        </p:sp>
+      </p:grpSp>
+      <p:cxnSp>
+        <p:nvCxnSpPr>
+          <p:cNvPr id="1041" name="Straight Arrow Connector 1040">
+            <a:extLst>
+              <a:ext uri="{FF2B5EF4-FFF2-40B4-BE49-F238E27FC236}">
+                <a16:creationId xmlns:a16="http://schemas.microsoft.com/office/drawing/2014/main" id="{3AE56753-31B4-6E47-2A63-3F75BFE46640}"/>
+              </a:ext>
+            </a:extLst>
+          </p:cNvPr>
+          <p:cNvCxnSpPr>
+            <a:cxnSpLocks/>
+          </p:cNvCxnSpPr>
+          <p:nvPr/>
+        </p:nvCxnSpPr>
+        <p:spPr>
+          <a:xfrm>
+            <a:off x="1900078" y="5342905"/>
+            <a:ext cx="0" cy="1900106"/>
+          </a:xfrm>
+          <a:prstGeom prst="straightConnector1">
+            <a:avLst/>
+          </a:prstGeom>
+          <a:ln w="38100">
+            <a:solidFill>
+              <a:schemeClr val="tx1"/>
+            </a:solidFill>
+            <a:tailEnd type="triangle"/>
+          </a:ln>
+        </p:spPr>
+        <p:style>
+          <a:lnRef idx="1">
+            <a:schemeClr val="accent1"/>
+          </a:lnRef>
+          <a:fillRef idx="0">
+            <a:schemeClr val="accent1"/>
+          </a:fillRef>
+          <a:effectRef idx="0">
+            <a:schemeClr val="accent1"/>
+          </a:effectRef>
+          <a:fontRef idx="minor">
+            <a:schemeClr val="tx1"/>
+          </a:fontRef>
+        </p:style>
+      </p:cxnSp>
+      <p:cxnSp>
+        <p:nvCxnSpPr>
+          <p:cNvPr id="1042" name="Straight Arrow Connector 1041">
+            <a:extLst>
+              <a:ext uri="{FF2B5EF4-FFF2-40B4-BE49-F238E27FC236}">
+                <a16:creationId xmlns:a16="http://schemas.microsoft.com/office/drawing/2014/main" id="{4274167F-9275-E0A8-A0BC-8C79F99DEDE0}"/>
+              </a:ext>
+            </a:extLst>
+          </p:cNvPr>
+          <p:cNvCxnSpPr>
+            <a:cxnSpLocks/>
+          </p:cNvCxnSpPr>
+          <p:nvPr/>
+        </p:nvCxnSpPr>
+        <p:spPr>
+          <a:xfrm>
+            <a:off x="8159611" y="5053612"/>
+            <a:ext cx="0" cy="2189399"/>
+          </a:xfrm>
+          <a:prstGeom prst="straightConnector1">
+            <a:avLst/>
+          </a:prstGeom>
+          <a:ln w="38100">
+            <a:solidFill>
+              <a:schemeClr val="tx1"/>
+            </a:solidFill>
+            <a:tailEnd type="triangle"/>
+          </a:ln>
+        </p:spPr>
+        <p:style>
+          <a:lnRef idx="1">
+            <a:schemeClr val="accent1"/>
+          </a:lnRef>
+          <a:fillRef idx="0">
+            <a:schemeClr val="accent1"/>
+          </a:fillRef>
+          <a:effectRef idx="0">
+            <a:schemeClr val="accent1"/>
+          </a:effectRef>
+          <a:fontRef idx="minor">
+            <a:schemeClr val="tx1"/>
+          </a:fontRef>
+        </p:style>
+      </p:cxnSp>
+      <p:cxnSp>
+        <p:nvCxnSpPr>
+          <p:cNvPr id="1043" name="Straight Arrow Connector 1042">
+            <a:extLst>
+              <a:ext uri="{FF2B5EF4-FFF2-40B4-BE49-F238E27FC236}">
+                <a16:creationId xmlns:a16="http://schemas.microsoft.com/office/drawing/2014/main" id="{DC0472E1-B6E6-9F7F-6056-6C0204804D7E}"/>
+              </a:ext>
+            </a:extLst>
+          </p:cNvPr>
+          <p:cNvCxnSpPr>
+            <a:cxnSpLocks/>
+          </p:cNvCxnSpPr>
+          <p:nvPr/>
+        </p:nvCxnSpPr>
+        <p:spPr>
+          <a:xfrm>
+            <a:off x="10643331" y="5342905"/>
+            <a:ext cx="0" cy="1900106"/>
+          </a:xfrm>
+          <a:prstGeom prst="straightConnector1">
+            <a:avLst/>
+          </a:prstGeom>
+          <a:ln w="38100">
+            <a:solidFill>
+              <a:schemeClr val="tx1"/>
+            </a:solidFill>
+            <a:tailEnd type="triangle"/>
+          </a:ln>
+        </p:spPr>
+        <p:style>
+          <a:lnRef idx="1">
+            <a:schemeClr val="accent1"/>
+          </a:lnRef>
+          <a:fillRef idx="0">
+            <a:schemeClr val="accent1"/>
+          </a:fillRef>
+          <a:effectRef idx="0">
+            <a:schemeClr val="accent1"/>
+          </a:effectRef>
+          <a:fontRef idx="minor">
+            <a:schemeClr val="tx1"/>
+          </a:fontRef>
+        </p:style>
+      </p:cxnSp>
+      <p:sp>
+        <p:nvSpPr>
+          <p:cNvPr id="1047" name="TextBox 1046">
+            <a:extLst>
+              <a:ext uri="{FF2B5EF4-FFF2-40B4-BE49-F238E27FC236}">
+                <a16:creationId xmlns:a16="http://schemas.microsoft.com/office/drawing/2014/main" id="{9324AF8F-7642-3681-8FD4-8E72E0A41F36}"/>
+              </a:ext>
+            </a:extLst>
+          </p:cNvPr>
+          <p:cNvSpPr txBox="1"/>
+          <p:nvPr/>
+        </p:nvSpPr>
+        <p:spPr>
+          <a:xfrm>
+            <a:off x="7342705" y="7373441"/>
+            <a:ext cx="1633811" cy="738664"/>
+          </a:xfrm>
+          <a:prstGeom prst="rect">
+            <a:avLst/>
+          </a:prstGeom>
+          <a:noFill/>
+        </p:spPr>
+        <p:txBody>
+          <a:bodyPr wrap="square" rtlCol="0">
+            <a:spAutoFit/>
+          </a:bodyPr>
+          <a:lstStyle/>
+          <a:p>
+            <a:pPr algn="ctr"/>
+            <a:r>
+              <a:rPr lang="en-SG" sz="1400" i="1" dirty="0">
+                <a:latin typeface="Segoe UI" panose="020B0502040204020203" pitchFamily="34" charset="0"/>
+                <a:cs typeface="Segoe UI" panose="020B0502040204020203" pitchFamily="34" charset="0"/>
+              </a:rPr>
+              <a:t>Impact, Sentiment,  Momentum &amp; Overall score</a:t>
+            </a:r>
+          </a:p>
+        </p:txBody>
+      </p:sp>
+      <p:sp>
+        <p:nvSpPr>
+          <p:cNvPr id="1048" name="TextBox 1047">
+            <a:extLst>
+              <a:ext uri="{FF2B5EF4-FFF2-40B4-BE49-F238E27FC236}">
+                <a16:creationId xmlns:a16="http://schemas.microsoft.com/office/drawing/2014/main" id="{9D038EAE-5BDB-F799-26B0-1C38EA428CC3}"/>
+              </a:ext>
+            </a:extLst>
+          </p:cNvPr>
+          <p:cNvSpPr txBox="1"/>
+          <p:nvPr/>
+        </p:nvSpPr>
+        <p:spPr>
+          <a:xfrm>
+            <a:off x="9237438" y="7373441"/>
+            <a:ext cx="1633811" cy="523220"/>
+          </a:xfrm>
+          <a:prstGeom prst="rect">
+            <a:avLst/>
+          </a:prstGeom>
+          <a:noFill/>
+        </p:spPr>
+        <p:txBody>
+          <a:bodyPr wrap="square" rtlCol="0">
+            <a:spAutoFit/>
+          </a:bodyPr>
+          <a:lstStyle/>
+          <a:p>
+            <a:pPr algn="ctr"/>
+            <a:r>
+              <a:rPr lang="en-SG" sz="1400" i="1" dirty="0">
+                <a:latin typeface="Segoe UI" panose="020B0502040204020203" pitchFamily="34" charset="0"/>
+                <a:cs typeface="Segoe UI" panose="020B0502040204020203" pitchFamily="34" charset="0"/>
+              </a:rPr>
+              <a:t>Status of trade &amp; price data</a:t>
+            </a:r>
+          </a:p>
+        </p:txBody>
+      </p:sp>
+      <p:sp>
+        <p:nvSpPr>
+          <p:cNvPr id="2" name="TextBox 1">
+            <a:extLst>
+              <a:ext uri="{FF2B5EF4-FFF2-40B4-BE49-F238E27FC236}">
+                <a16:creationId xmlns:a16="http://schemas.microsoft.com/office/drawing/2014/main" id="{4DDFFDFF-A2D9-ED90-1CA5-980858A346D0}"/>
+              </a:ext>
+            </a:extLst>
+          </p:cNvPr>
+          <p:cNvSpPr txBox="1"/>
+          <p:nvPr/>
+        </p:nvSpPr>
+        <p:spPr>
+          <a:xfrm>
+            <a:off x="-1183696" y="6035842"/>
+            <a:ext cx="1360184" cy="369332"/>
+          </a:xfrm>
+          <a:prstGeom prst="rect">
+            <a:avLst/>
+          </a:prstGeom>
+          <a:noFill/>
+        </p:spPr>
+        <p:txBody>
+          <a:bodyPr wrap="square" rtlCol="0">
+            <a:spAutoFit/>
+          </a:bodyPr>
+          <a:lstStyle/>
+          <a:p>
+            <a:r>
+              <a:rPr lang="en-SG" dirty="0"/>
+              <a:t>Time series</a:t>
+            </a:r>
+          </a:p>
+        </p:txBody>
+      </p:sp>
+      <p:sp>
+        <p:nvSpPr>
+          <p:cNvPr id="8" name="TextBox 7">
+            <a:extLst>
+              <a:ext uri="{FF2B5EF4-FFF2-40B4-BE49-F238E27FC236}">
+                <a16:creationId xmlns:a16="http://schemas.microsoft.com/office/drawing/2014/main" id="{04DBF59C-F985-8109-8456-40E490DE31EF}"/>
+              </a:ext>
+            </a:extLst>
+          </p:cNvPr>
+          <p:cNvSpPr txBox="1"/>
+          <p:nvPr/>
+        </p:nvSpPr>
+        <p:spPr>
+          <a:xfrm>
+            <a:off x="-1183696" y="4211413"/>
+            <a:ext cx="1819429" cy="369332"/>
+          </a:xfrm>
+          <a:prstGeom prst="rect">
+            <a:avLst/>
+          </a:prstGeom>
+          <a:noFill/>
+        </p:spPr>
+        <p:txBody>
+          <a:bodyPr wrap="square" rtlCol="0">
+            <a:spAutoFit/>
+          </a:bodyPr>
+          <a:lstStyle/>
+          <a:p>
+            <a:r>
+              <a:rPr lang="en-SG" dirty="0"/>
+              <a:t>News</a:t>
+            </a:r>
+          </a:p>
+        </p:txBody>
+      </p:sp>
+      <p:grpSp>
+        <p:nvGrpSpPr>
+          <p:cNvPr id="52" name="Group 51">
+            <a:extLst>
+              <a:ext uri="{FF2B5EF4-FFF2-40B4-BE49-F238E27FC236}">
+                <a16:creationId xmlns:a16="http://schemas.microsoft.com/office/drawing/2014/main" id="{F28284F2-AB3B-1061-2B22-6C914E297937}"/>
+              </a:ext>
+            </a:extLst>
+          </p:cNvPr>
+          <p:cNvGrpSpPr/>
+          <p:nvPr/>
+        </p:nvGrpSpPr>
+        <p:grpSpPr>
+          <a:xfrm rot="10800000">
+            <a:off x="2622185" y="3169509"/>
+            <a:ext cx="1504376" cy="2724995"/>
+            <a:chOff x="7660829" y="2827407"/>
+            <a:chExt cx="2028162" cy="2724995"/>
+          </a:xfrm>
+        </p:grpSpPr>
+        <p:cxnSp>
+          <p:nvCxnSpPr>
+            <p:cNvPr id="45" name="Straight Arrow Connector 44">
+              <a:extLst>
+                <a:ext uri="{FF2B5EF4-FFF2-40B4-BE49-F238E27FC236}">
+                  <a16:creationId xmlns:a16="http://schemas.microsoft.com/office/drawing/2014/main" id="{2424FD66-E5CD-E220-8D3A-EFCCD1747450}"/>
+                </a:ext>
+              </a:extLst>
+            </p:cNvPr>
+            <p:cNvCxnSpPr>
+              <a:cxnSpLocks/>
+            </p:cNvCxnSpPr>
+            <p:nvPr/>
+          </p:nvCxnSpPr>
+          <p:spPr>
+            <a:xfrm>
+              <a:off x="7660829" y="2827407"/>
+              <a:ext cx="1680320" cy="0"/>
+            </a:xfrm>
+            <a:prstGeom prst="straightConnector1">
+              <a:avLst/>
+            </a:prstGeom>
+            <a:ln w="28575">
+              <a:headEnd type="arrow" w="med" len="med"/>
+              <a:tailEnd type="none" w="med" len="med"/>
+            </a:ln>
+          </p:spPr>
+          <p:style>
+            <a:lnRef idx="1">
+              <a:schemeClr val="accent1"/>
+            </a:lnRef>
+            <a:fillRef idx="0">
+              <a:schemeClr val="accent1"/>
+            </a:fillRef>
+            <a:effectRef idx="0">
+              <a:schemeClr val="accent1"/>
+            </a:effectRef>
+            <a:fontRef idx="minor">
+              <a:schemeClr val="tx1"/>
+            </a:fontRef>
+          </p:style>
+        </p:cxnSp>
+        <p:cxnSp>
+          <p:nvCxnSpPr>
+            <p:cNvPr id="48" name="Straight Arrow Connector 47">
+              <a:extLst>
+                <a:ext uri="{FF2B5EF4-FFF2-40B4-BE49-F238E27FC236}">
+                  <a16:creationId xmlns:a16="http://schemas.microsoft.com/office/drawing/2014/main" id="{9A160C02-347A-1AEB-D412-A35B1DD28521}"/>
+                </a:ext>
+              </a:extLst>
+            </p:cNvPr>
+            <p:cNvCxnSpPr>
+              <a:cxnSpLocks/>
+            </p:cNvCxnSpPr>
+            <p:nvPr/>
+          </p:nvCxnSpPr>
+          <p:spPr>
+            <a:xfrm>
+              <a:off x="7660829" y="5552402"/>
+              <a:ext cx="1668892" cy="0"/>
+            </a:xfrm>
+            <a:prstGeom prst="straightConnector1">
+              <a:avLst/>
+            </a:prstGeom>
+            <a:ln w="28575">
+              <a:headEnd type="arrow" w="med" len="med"/>
+              <a:tailEnd type="none" w="med" len="med"/>
+            </a:ln>
+          </p:spPr>
+          <p:style>
+            <a:lnRef idx="1">
+              <a:schemeClr val="accent1"/>
+            </a:lnRef>
+            <a:fillRef idx="0">
+              <a:schemeClr val="accent1"/>
+            </a:fillRef>
+            <a:effectRef idx="0">
+              <a:schemeClr val="accent1"/>
+            </a:effectRef>
+            <a:fontRef idx="minor">
+              <a:schemeClr val="tx1"/>
+            </a:fontRef>
+          </p:style>
+        </p:cxnSp>
+        <p:cxnSp>
+          <p:nvCxnSpPr>
+            <p:cNvPr id="49" name="Straight Arrow Connector 48">
+              <a:extLst>
+                <a:ext uri="{FF2B5EF4-FFF2-40B4-BE49-F238E27FC236}">
+                  <a16:creationId xmlns:a16="http://schemas.microsoft.com/office/drawing/2014/main" id="{73BFB575-6428-B68A-E4C9-8FD6BB126573}"/>
+                </a:ext>
+              </a:extLst>
+            </p:cNvPr>
+            <p:cNvCxnSpPr>
+              <a:cxnSpLocks/>
+            </p:cNvCxnSpPr>
+            <p:nvPr/>
+          </p:nvCxnSpPr>
+          <p:spPr>
+            <a:xfrm>
+              <a:off x="7660829" y="4224641"/>
+              <a:ext cx="1885343" cy="0"/>
+            </a:xfrm>
+            <a:prstGeom prst="straightConnector1">
+              <a:avLst/>
+            </a:prstGeom>
+            <a:ln w="28575">
+              <a:headEnd type="arrow" w="med" len="med"/>
+              <a:tailEnd type="none" w="med" len="med"/>
+            </a:ln>
+          </p:spPr>
+          <p:style>
+            <a:lnRef idx="1">
+              <a:schemeClr val="accent1"/>
+            </a:lnRef>
+            <a:fillRef idx="0">
+              <a:schemeClr val="accent1"/>
+            </a:fillRef>
+            <a:effectRef idx="0">
+              <a:schemeClr val="accent1"/>
+            </a:effectRef>
+            <a:fontRef idx="minor">
+              <a:schemeClr val="tx1"/>
+            </a:fontRef>
+          </p:style>
+        </p:cxnSp>
+        <p:sp>
+          <p:nvSpPr>
+            <p:cNvPr id="51" name="Right Brace 50">
+              <a:extLst>
+                <a:ext uri="{FF2B5EF4-FFF2-40B4-BE49-F238E27FC236}">
+                  <a16:creationId xmlns:a16="http://schemas.microsoft.com/office/drawing/2014/main" id="{10554A35-A543-85E7-546F-A8FD525A5150}"/>
+                </a:ext>
+              </a:extLst>
+            </p:cNvPr>
+            <p:cNvSpPr/>
+            <p:nvPr/>
+          </p:nvSpPr>
+          <p:spPr>
+            <a:xfrm>
+              <a:off x="9323899" y="2833251"/>
+              <a:ext cx="365092" cy="2718237"/>
+            </a:xfrm>
+            <a:prstGeom prst="rightBrace">
+              <a:avLst>
+                <a:gd name="adj1" fmla="val 8333"/>
+                <a:gd name="adj2" fmla="val 51064"/>
+              </a:avLst>
+            </a:prstGeom>
+            <a:ln w="28575"/>
+          </p:spPr>
+          <p:style>
+            <a:lnRef idx="1">
+              <a:schemeClr val="accent1"/>
+            </a:lnRef>
+            <a:fillRef idx="0">
+              <a:schemeClr val="accent1"/>
+            </a:fillRef>
+            <a:effectRef idx="0">
+              <a:schemeClr val="accent1"/>
+            </a:effectRef>
+            <a:fontRef idx="minor">
+              <a:schemeClr val="tx1"/>
+            </a:fontRef>
+          </p:style>
+          <p:txBody>
+            <a:bodyPr rtlCol="0" anchor="ctr"/>
+            <a:lstStyle/>
+            <a:p>
+              <a:pPr algn="ctr"/>
+              <a:endParaRPr lang="en-SG"/>
+            </a:p>
+          </p:txBody>
+        </p:sp>
+      </p:grpSp>
+      <p:sp>
+        <p:nvSpPr>
+          <p:cNvPr id="53" name="TextBox 52">
+            <a:extLst>
+              <a:ext uri="{FF2B5EF4-FFF2-40B4-BE49-F238E27FC236}">
+                <a16:creationId xmlns:a16="http://schemas.microsoft.com/office/drawing/2014/main" id="{57718FF1-C0B9-F797-EAB1-3D4C434EE7D9}"/>
+              </a:ext>
+            </a:extLst>
+          </p:cNvPr>
+          <p:cNvSpPr txBox="1"/>
+          <p:nvPr/>
+        </p:nvSpPr>
+        <p:spPr>
+          <a:xfrm>
+            <a:off x="2882558" y="2871864"/>
+            <a:ext cx="1075825" cy="307777"/>
+          </a:xfrm>
+          <a:prstGeom prst="rect">
+            <a:avLst/>
+          </a:prstGeom>
+          <a:noFill/>
+        </p:spPr>
+        <p:txBody>
+          <a:bodyPr wrap="square" rtlCol="0">
+            <a:spAutoFit/>
+          </a:bodyPr>
+          <a:lstStyle/>
+          <a:p>
+            <a:r>
+              <a:rPr lang="en-SG" sz="1400" i="1" dirty="0">
+                <a:latin typeface="Segoe UI" panose="020B0502040204020203" pitchFamily="34" charset="0"/>
+                <a:cs typeface="Segoe UI" panose="020B0502040204020203" pitchFamily="34" charset="0"/>
+              </a:rPr>
+              <a:t>News Event</a:t>
+            </a:r>
+          </a:p>
+        </p:txBody>
+      </p:sp>
+      <p:sp>
+        <p:nvSpPr>
+          <p:cNvPr id="55" name="TextBox 54">
+            <a:extLst>
+              <a:ext uri="{FF2B5EF4-FFF2-40B4-BE49-F238E27FC236}">
+                <a16:creationId xmlns:a16="http://schemas.microsoft.com/office/drawing/2014/main" id="{F0D7559A-1DF4-88C7-B6AB-F341E8D13C42}"/>
+              </a:ext>
+            </a:extLst>
+          </p:cNvPr>
+          <p:cNvSpPr txBox="1"/>
+          <p:nvPr/>
+        </p:nvSpPr>
+        <p:spPr>
+          <a:xfrm>
+            <a:off x="2886036" y="4194681"/>
+            <a:ext cx="1075825" cy="307777"/>
+          </a:xfrm>
+          <a:prstGeom prst="rect">
+            <a:avLst/>
+          </a:prstGeom>
+          <a:noFill/>
+        </p:spPr>
+        <p:txBody>
+          <a:bodyPr wrap="square" rtlCol="0">
+            <a:spAutoFit/>
+          </a:bodyPr>
+          <a:lstStyle/>
+          <a:p>
+            <a:r>
+              <a:rPr lang="en-SG" sz="1400" i="1" dirty="0">
+                <a:latin typeface="Segoe UI" panose="020B0502040204020203" pitchFamily="34" charset="0"/>
+                <a:cs typeface="Segoe UI" panose="020B0502040204020203" pitchFamily="34" charset="0"/>
+              </a:rPr>
+              <a:t>News Event</a:t>
+            </a:r>
+          </a:p>
+        </p:txBody>
+      </p:sp>
+      <p:sp>
+        <p:nvSpPr>
+          <p:cNvPr id="56" name="TextBox 55">
+            <a:extLst>
+              <a:ext uri="{FF2B5EF4-FFF2-40B4-BE49-F238E27FC236}">
+                <a16:creationId xmlns:a16="http://schemas.microsoft.com/office/drawing/2014/main" id="{EB54A7C7-6C4E-5535-3602-B44980374D09}"/>
+              </a:ext>
+            </a:extLst>
+          </p:cNvPr>
+          <p:cNvSpPr txBox="1"/>
+          <p:nvPr/>
+        </p:nvSpPr>
+        <p:spPr>
+          <a:xfrm>
+            <a:off x="2932912" y="5579973"/>
+            <a:ext cx="1075825" cy="307777"/>
+          </a:xfrm>
+          <a:prstGeom prst="rect">
+            <a:avLst/>
+          </a:prstGeom>
+          <a:noFill/>
+        </p:spPr>
+        <p:txBody>
+          <a:bodyPr wrap="square" rtlCol="0">
+            <a:spAutoFit/>
+          </a:bodyPr>
+          <a:lstStyle/>
+          <a:p>
+            <a:r>
+              <a:rPr lang="en-SG" sz="1400" i="1" dirty="0">
+                <a:latin typeface="Segoe UI" panose="020B0502040204020203" pitchFamily="34" charset="0"/>
+                <a:cs typeface="Segoe UI" panose="020B0502040204020203" pitchFamily="34" charset="0"/>
+              </a:rPr>
+              <a:t>Time Series</a:t>
+            </a:r>
+          </a:p>
+        </p:txBody>
+      </p:sp>
+    </p:spTree>
+    <p:extLst>
+      <p:ext uri="{BB962C8B-B14F-4D97-AF65-F5344CB8AC3E}">
+        <p14:creationId xmlns:p14="http://schemas.microsoft.com/office/powerpoint/2010/main" val="10188574"/>
       </p:ext>
     </p:extLst>
   </p:cSld>
